--- a/To-Do List.pptx
+++ b/To-Do List.pptx
@@ -1,20 +1,116 @@
 
 <file path=ppt/presentation.xml><?xml version="1.0" encoding="utf-8"?>
-<p:presentation xmlns:a="http://schemas.openxmlformats.org/drawingml/2006/main" xmlns:p="http://schemas.openxmlformats.org/presentationml/2006/main" xmlns:r="http://schemas.openxmlformats.org/officeDocument/2006/relationships" xmlns:p14="http://schemas.microsoft.com/office/powerpoint/2010/main" xmlns:p15="http://schemas.microsoft.com/office/powerpoint/2012/main" xmlns:mc="http://schemas.openxmlformats.org/markup-compatibility/2006">
+<p:presentation xmlns:a="http://schemas.openxmlformats.org/drawingml/2006/main" xmlns:r="http://schemas.openxmlformats.org/officeDocument/2006/relationships" xmlns:p="http://schemas.openxmlformats.org/presentationml/2006/main">
   <p:sldMasterIdLst>
-    <p:sldMasterId id="2147483648" r:id="rId2"/>
+    <p:sldMasterId id="2147483648" r:id="rId1"/>
   </p:sldMasterIdLst>
   <p:sldIdLst>
-    <p:sldId id="256" r:id="rId3"/>
-    <p:sldId id="257" r:id="rId4"/>
+    <p:sldId id="256" r:id="rId2"/>
+    <p:sldId id="257" r:id="rId3"/>
+    <p:sldId id="258" r:id="rId4"/>
   </p:sldIdLst>
   <p:sldSz cx="10080625" cy="7559675"/>
   <p:notesSz cx="7772400" cy="10058400"/>
+  <p:defaultTextStyle>
+    <a:defPPr>
+      <a:defRPr lang="en-US"/>
+    </a:defPPr>
+    <a:lvl1pPr marL="0" algn="l" defTabSz="914400" rtl="0" eaLnBrk="1" latinLnBrk="0" hangingPunct="1">
+      <a:defRPr sz="1800" kern="1200">
+        <a:solidFill>
+          <a:schemeClr val="tx1"/>
+        </a:solidFill>
+        <a:latin typeface="+mn-lt"/>
+        <a:ea typeface="+mn-ea"/>
+        <a:cs typeface="+mn-cs"/>
+      </a:defRPr>
+    </a:lvl1pPr>
+    <a:lvl2pPr marL="457200" algn="l" defTabSz="914400" rtl="0" eaLnBrk="1" latinLnBrk="0" hangingPunct="1">
+      <a:defRPr sz="1800" kern="1200">
+        <a:solidFill>
+          <a:schemeClr val="tx1"/>
+        </a:solidFill>
+        <a:latin typeface="+mn-lt"/>
+        <a:ea typeface="+mn-ea"/>
+        <a:cs typeface="+mn-cs"/>
+      </a:defRPr>
+    </a:lvl2pPr>
+    <a:lvl3pPr marL="914400" algn="l" defTabSz="914400" rtl="0" eaLnBrk="1" latinLnBrk="0" hangingPunct="1">
+      <a:defRPr sz="1800" kern="1200">
+        <a:solidFill>
+          <a:schemeClr val="tx1"/>
+        </a:solidFill>
+        <a:latin typeface="+mn-lt"/>
+        <a:ea typeface="+mn-ea"/>
+        <a:cs typeface="+mn-cs"/>
+      </a:defRPr>
+    </a:lvl3pPr>
+    <a:lvl4pPr marL="1371600" algn="l" defTabSz="914400" rtl="0" eaLnBrk="1" latinLnBrk="0" hangingPunct="1">
+      <a:defRPr sz="1800" kern="1200">
+        <a:solidFill>
+          <a:schemeClr val="tx1"/>
+        </a:solidFill>
+        <a:latin typeface="+mn-lt"/>
+        <a:ea typeface="+mn-ea"/>
+        <a:cs typeface="+mn-cs"/>
+      </a:defRPr>
+    </a:lvl4pPr>
+    <a:lvl5pPr marL="1828800" algn="l" defTabSz="914400" rtl="0" eaLnBrk="1" latinLnBrk="0" hangingPunct="1">
+      <a:defRPr sz="1800" kern="1200">
+        <a:solidFill>
+          <a:schemeClr val="tx1"/>
+        </a:solidFill>
+        <a:latin typeface="+mn-lt"/>
+        <a:ea typeface="+mn-ea"/>
+        <a:cs typeface="+mn-cs"/>
+      </a:defRPr>
+    </a:lvl5pPr>
+    <a:lvl6pPr marL="2286000" algn="l" defTabSz="914400" rtl="0" eaLnBrk="1" latinLnBrk="0" hangingPunct="1">
+      <a:defRPr sz="1800" kern="1200">
+        <a:solidFill>
+          <a:schemeClr val="tx1"/>
+        </a:solidFill>
+        <a:latin typeface="+mn-lt"/>
+        <a:ea typeface="+mn-ea"/>
+        <a:cs typeface="+mn-cs"/>
+      </a:defRPr>
+    </a:lvl6pPr>
+    <a:lvl7pPr marL="2743200" algn="l" defTabSz="914400" rtl="0" eaLnBrk="1" latinLnBrk="0" hangingPunct="1">
+      <a:defRPr sz="1800" kern="1200">
+        <a:solidFill>
+          <a:schemeClr val="tx1"/>
+        </a:solidFill>
+        <a:latin typeface="+mn-lt"/>
+        <a:ea typeface="+mn-ea"/>
+        <a:cs typeface="+mn-cs"/>
+      </a:defRPr>
+    </a:lvl7pPr>
+    <a:lvl8pPr marL="3200400" algn="l" defTabSz="914400" rtl="0" eaLnBrk="1" latinLnBrk="0" hangingPunct="1">
+      <a:defRPr sz="1800" kern="1200">
+        <a:solidFill>
+          <a:schemeClr val="tx1"/>
+        </a:solidFill>
+        <a:latin typeface="+mn-lt"/>
+        <a:ea typeface="+mn-ea"/>
+        <a:cs typeface="+mn-cs"/>
+      </a:defRPr>
+    </a:lvl8pPr>
+    <a:lvl9pPr marL="3657600" algn="l" defTabSz="914400" rtl="0" eaLnBrk="1" latinLnBrk="0" hangingPunct="1">
+      <a:defRPr sz="1800" kern="1200">
+        <a:solidFill>
+          <a:schemeClr val="tx1"/>
+        </a:solidFill>
+        <a:latin typeface="+mn-lt"/>
+        <a:ea typeface="+mn-ea"/>
+        <a:cs typeface="+mn-cs"/>
+      </a:defRPr>
+    </a:lvl9pPr>
+  </p:defaultTextStyle>
 </p:presentation>
 </file>
 
 <file path=ppt/slideLayouts/slideLayout1.xml><?xml version="1.0" encoding="utf-8"?>
-<p:sldLayout xmlns:a="http://schemas.openxmlformats.org/drawingml/2006/main" xmlns:p="http://schemas.openxmlformats.org/presentationml/2006/main" xmlns:r="http://schemas.openxmlformats.org/officeDocument/2006/relationships" xmlns:p14="http://schemas.microsoft.com/office/powerpoint/2010/main" xmlns:p15="http://schemas.microsoft.com/office/powerpoint/2012/main" xmlns:mc="http://schemas.openxmlformats.org/markup-compatibility/2006" type="blank" preserve="1">
+<p:sldLayout xmlns:a="http://schemas.openxmlformats.org/drawingml/2006/main" xmlns:r="http://schemas.openxmlformats.org/officeDocument/2006/relationships" xmlns:p="http://schemas.openxmlformats.org/presentationml/2006/main" type="blank" preserve="1">
   <p:cSld name="Blank Slide">
     <p:spTree>
       <p:nvGrpSpPr>
@@ -32,11 +128,14 @@
       </p:grpSpPr>
     </p:spTree>
   </p:cSld>
+  <p:clrMapOvr>
+    <a:masterClrMapping/>
+  </p:clrMapOvr>
 </p:sldLayout>
 </file>
 
 <file path=ppt/slideLayouts/slideLayout10.xml><?xml version="1.0" encoding="utf-8"?>
-<p:sldLayout xmlns:a="http://schemas.openxmlformats.org/drawingml/2006/main" xmlns:p="http://schemas.openxmlformats.org/presentationml/2006/main" xmlns:r="http://schemas.openxmlformats.org/officeDocument/2006/relationships" xmlns:p14="http://schemas.microsoft.com/office/powerpoint/2010/main" xmlns:p15="http://schemas.microsoft.com/office/powerpoint/2012/main" xmlns:mc="http://schemas.openxmlformats.org/markup-compatibility/2006" type="objOverTx" preserve="1">
+<p:sldLayout xmlns:a="http://schemas.openxmlformats.org/drawingml/2006/main" xmlns:r="http://schemas.openxmlformats.org/officeDocument/2006/relationships" xmlns:p="http://schemas.openxmlformats.org/presentationml/2006/main" type="objOverTx" preserve="1">
   <p:cSld name="Title, Content over Content">
     <p:spTree>
       <p:nvGrpSpPr>
@@ -72,12 +171,13 @@
           </a:prstGeom>
         </p:spPr>
         <p:txBody>
-          <a:bodyPr lIns="0" rIns="0" tIns="0" bIns="0" anchor="ctr">
+          <a:bodyPr lIns="0" tIns="0" rIns="0" bIns="0" anchor="ctr">
             <a:spAutoFit/>
           </a:bodyPr>
+          <a:lstStyle/>
           <a:p>
             <a:pPr algn="ctr"/>
-            <a:endParaRPr b="0" lang="en-US" sz="4400" spc="-1" strike="noStrike">
+            <a:endParaRPr lang="en-US" sz="4400" b="0" strike="noStrike" spc="-1">
               <a:latin typeface="Arial"/>
             </a:endParaRPr>
           </a:p>
@@ -103,11 +203,12 @@
           </a:prstGeom>
         </p:spPr>
         <p:txBody>
-          <a:bodyPr lIns="0" rIns="0" tIns="0" bIns="0">
+          <a:bodyPr lIns="0" tIns="0" rIns="0" bIns="0">
             <a:normAutofit/>
           </a:bodyPr>
-          <a:p>
-            <a:endParaRPr b="0" lang="en-US" sz="3200" spc="-1" strike="noStrike">
+          <a:lstStyle/>
+          <a:p>
+            <a:endParaRPr lang="en-US" sz="3200" b="0" strike="noStrike" spc="-1">
               <a:latin typeface="Arial"/>
             </a:endParaRPr>
           </a:p>
@@ -133,11 +234,12 @@
           </a:prstGeom>
         </p:spPr>
         <p:txBody>
-          <a:bodyPr lIns="0" rIns="0" tIns="0" bIns="0">
+          <a:bodyPr lIns="0" tIns="0" rIns="0" bIns="0">
             <a:normAutofit/>
           </a:bodyPr>
-          <a:p>
-            <a:endParaRPr b="0" lang="en-US" sz="3200" spc="-1" strike="noStrike">
+          <a:lstStyle/>
+          <a:p>
+            <a:endParaRPr lang="en-US" sz="3200" b="0" strike="noStrike" spc="-1">
               <a:latin typeface="Arial"/>
             </a:endParaRPr>
           </a:p>
@@ -145,11 +247,14 @@
       </p:sp>
     </p:spTree>
   </p:cSld>
+  <p:clrMapOvr>
+    <a:masterClrMapping/>
+  </p:clrMapOvr>
 </p:sldLayout>
 </file>
 
 <file path=ppt/slideLayouts/slideLayout11.xml><?xml version="1.0" encoding="utf-8"?>
-<p:sldLayout xmlns:a="http://schemas.openxmlformats.org/drawingml/2006/main" xmlns:p="http://schemas.openxmlformats.org/presentationml/2006/main" xmlns:r="http://schemas.openxmlformats.org/officeDocument/2006/relationships" xmlns:p14="http://schemas.microsoft.com/office/powerpoint/2010/main" xmlns:p15="http://schemas.microsoft.com/office/powerpoint/2012/main" xmlns:mc="http://schemas.openxmlformats.org/markup-compatibility/2006" type="fourObj" preserve="1">
+<p:sldLayout xmlns:a="http://schemas.openxmlformats.org/drawingml/2006/main" xmlns:r="http://schemas.openxmlformats.org/officeDocument/2006/relationships" xmlns:p="http://schemas.openxmlformats.org/presentationml/2006/main" type="fourObj" preserve="1">
   <p:cSld name="Title, 4 Content">
     <p:spTree>
       <p:nvGrpSpPr>
@@ -185,12 +290,13 @@
           </a:prstGeom>
         </p:spPr>
         <p:txBody>
-          <a:bodyPr lIns="0" rIns="0" tIns="0" bIns="0" anchor="ctr">
+          <a:bodyPr lIns="0" tIns="0" rIns="0" bIns="0" anchor="ctr">
             <a:spAutoFit/>
           </a:bodyPr>
+          <a:lstStyle/>
           <a:p>
             <a:pPr algn="ctr"/>
-            <a:endParaRPr b="0" lang="en-US" sz="4400" spc="-1" strike="noStrike">
+            <a:endParaRPr lang="en-US" sz="4400" b="0" strike="noStrike" spc="-1">
               <a:latin typeface="Arial"/>
             </a:endParaRPr>
           </a:p>
@@ -216,11 +322,12 @@
           </a:prstGeom>
         </p:spPr>
         <p:txBody>
-          <a:bodyPr lIns="0" rIns="0" tIns="0" bIns="0">
+          <a:bodyPr lIns="0" tIns="0" rIns="0" bIns="0">
             <a:normAutofit/>
           </a:bodyPr>
-          <a:p>
-            <a:endParaRPr b="0" lang="en-US" sz="3200" spc="-1" strike="noStrike">
+          <a:lstStyle/>
+          <a:p>
+            <a:endParaRPr lang="en-US" sz="3200" b="0" strike="noStrike" spc="-1">
               <a:latin typeface="Arial"/>
             </a:endParaRPr>
           </a:p>
@@ -246,11 +353,12 @@
           </a:prstGeom>
         </p:spPr>
         <p:txBody>
-          <a:bodyPr lIns="0" rIns="0" tIns="0" bIns="0">
+          <a:bodyPr lIns="0" tIns="0" rIns="0" bIns="0">
             <a:normAutofit/>
           </a:bodyPr>
-          <a:p>
-            <a:endParaRPr b="0" lang="en-US" sz="3200" spc="-1" strike="noStrike">
+          <a:lstStyle/>
+          <a:p>
+            <a:endParaRPr lang="en-US" sz="3200" b="0" strike="noStrike" spc="-1">
               <a:latin typeface="Arial"/>
             </a:endParaRPr>
           </a:p>
@@ -276,11 +384,12 @@
           </a:prstGeom>
         </p:spPr>
         <p:txBody>
-          <a:bodyPr lIns="0" rIns="0" tIns="0" bIns="0">
+          <a:bodyPr lIns="0" tIns="0" rIns="0" bIns="0">
             <a:normAutofit/>
           </a:bodyPr>
-          <a:p>
-            <a:endParaRPr b="0" lang="en-US" sz="3200" spc="-1" strike="noStrike">
+          <a:lstStyle/>
+          <a:p>
+            <a:endParaRPr lang="en-US" sz="3200" b="0" strike="noStrike" spc="-1">
               <a:latin typeface="Arial"/>
             </a:endParaRPr>
           </a:p>
@@ -306,11 +415,12 @@
           </a:prstGeom>
         </p:spPr>
         <p:txBody>
-          <a:bodyPr lIns="0" rIns="0" tIns="0" bIns="0">
+          <a:bodyPr lIns="0" tIns="0" rIns="0" bIns="0">
             <a:normAutofit/>
           </a:bodyPr>
-          <a:p>
-            <a:endParaRPr b="0" lang="en-US" sz="3200" spc="-1" strike="noStrike">
+          <a:lstStyle/>
+          <a:p>
+            <a:endParaRPr lang="en-US" sz="3200" b="0" strike="noStrike" spc="-1">
               <a:latin typeface="Arial"/>
             </a:endParaRPr>
           </a:p>
@@ -318,11 +428,14 @@
       </p:sp>
     </p:spTree>
   </p:cSld>
+  <p:clrMapOvr>
+    <a:masterClrMapping/>
+  </p:clrMapOvr>
 </p:sldLayout>
 </file>
 
 <file path=ppt/slideLayouts/slideLayout12.xml><?xml version="1.0" encoding="utf-8"?>
-<p:sldLayout xmlns:a="http://schemas.openxmlformats.org/drawingml/2006/main" xmlns:p="http://schemas.openxmlformats.org/presentationml/2006/main" xmlns:r="http://schemas.openxmlformats.org/officeDocument/2006/relationships" xmlns:p14="http://schemas.microsoft.com/office/powerpoint/2010/main" xmlns:p15="http://schemas.microsoft.com/office/powerpoint/2012/main" xmlns:mc="http://schemas.openxmlformats.org/markup-compatibility/2006" type="blank" preserve="1">
+<p:sldLayout xmlns:a="http://schemas.openxmlformats.org/drawingml/2006/main" xmlns:r="http://schemas.openxmlformats.org/officeDocument/2006/relationships" xmlns:p="http://schemas.openxmlformats.org/presentationml/2006/main" type="blank" preserve="1">
   <p:cSld name="Title, 6 Content">
     <p:spTree>
       <p:nvGrpSpPr>
@@ -358,12 +471,13 @@
           </a:prstGeom>
         </p:spPr>
         <p:txBody>
-          <a:bodyPr lIns="0" rIns="0" tIns="0" bIns="0" anchor="ctr">
+          <a:bodyPr lIns="0" tIns="0" rIns="0" bIns="0" anchor="ctr">
             <a:spAutoFit/>
           </a:bodyPr>
+          <a:lstStyle/>
           <a:p>
             <a:pPr algn="ctr"/>
-            <a:endParaRPr b="0" lang="en-US" sz="4400" spc="-1" strike="noStrike">
+            <a:endParaRPr lang="en-US" sz="4400" b="0" strike="noStrike" spc="-1">
               <a:latin typeface="Arial"/>
             </a:endParaRPr>
           </a:p>
@@ -389,11 +503,12 @@
           </a:prstGeom>
         </p:spPr>
         <p:txBody>
-          <a:bodyPr lIns="0" rIns="0" tIns="0" bIns="0">
+          <a:bodyPr lIns="0" tIns="0" rIns="0" bIns="0">
             <a:normAutofit/>
           </a:bodyPr>
-          <a:p>
-            <a:endParaRPr b="0" lang="en-US" sz="3200" spc="-1" strike="noStrike">
+          <a:lstStyle/>
+          <a:p>
+            <a:endParaRPr lang="en-US" sz="3200" b="0" strike="noStrike" spc="-1">
               <a:latin typeface="Arial"/>
             </a:endParaRPr>
           </a:p>
@@ -419,11 +534,12 @@
           </a:prstGeom>
         </p:spPr>
         <p:txBody>
-          <a:bodyPr lIns="0" rIns="0" tIns="0" bIns="0">
+          <a:bodyPr lIns="0" tIns="0" rIns="0" bIns="0">
             <a:normAutofit/>
           </a:bodyPr>
-          <a:p>
-            <a:endParaRPr b="0" lang="en-US" sz="3200" spc="-1" strike="noStrike">
+          <a:lstStyle/>
+          <a:p>
+            <a:endParaRPr lang="en-US" sz="3200" b="0" strike="noStrike" spc="-1">
               <a:latin typeface="Arial"/>
             </a:endParaRPr>
           </a:p>
@@ -449,11 +565,12 @@
           </a:prstGeom>
         </p:spPr>
         <p:txBody>
-          <a:bodyPr lIns="0" rIns="0" tIns="0" bIns="0">
+          <a:bodyPr lIns="0" tIns="0" rIns="0" bIns="0">
             <a:normAutofit/>
           </a:bodyPr>
-          <a:p>
-            <a:endParaRPr b="0" lang="en-US" sz="3200" spc="-1" strike="noStrike">
+          <a:lstStyle/>
+          <a:p>
+            <a:endParaRPr lang="en-US" sz="3200" b="0" strike="noStrike" spc="-1">
               <a:latin typeface="Arial"/>
             </a:endParaRPr>
           </a:p>
@@ -479,11 +596,12 @@
           </a:prstGeom>
         </p:spPr>
         <p:txBody>
-          <a:bodyPr lIns="0" rIns="0" tIns="0" bIns="0">
+          <a:bodyPr lIns="0" tIns="0" rIns="0" bIns="0">
             <a:normAutofit/>
           </a:bodyPr>
-          <a:p>
-            <a:endParaRPr b="0" lang="en-US" sz="3200" spc="-1" strike="noStrike">
+          <a:lstStyle/>
+          <a:p>
+            <a:endParaRPr lang="en-US" sz="3200" b="0" strike="noStrike" spc="-1">
               <a:latin typeface="Arial"/>
             </a:endParaRPr>
           </a:p>
@@ -509,11 +627,12 @@
           </a:prstGeom>
         </p:spPr>
         <p:txBody>
-          <a:bodyPr lIns="0" rIns="0" tIns="0" bIns="0">
+          <a:bodyPr lIns="0" tIns="0" rIns="0" bIns="0">
             <a:normAutofit/>
           </a:bodyPr>
-          <a:p>
-            <a:endParaRPr b="0" lang="en-US" sz="3200" spc="-1" strike="noStrike">
+          <a:lstStyle/>
+          <a:p>
+            <a:endParaRPr lang="en-US" sz="3200" b="0" strike="noStrike" spc="-1">
               <a:latin typeface="Arial"/>
             </a:endParaRPr>
           </a:p>
@@ -539,11 +658,12 @@
           </a:prstGeom>
         </p:spPr>
         <p:txBody>
-          <a:bodyPr lIns="0" rIns="0" tIns="0" bIns="0">
+          <a:bodyPr lIns="0" tIns="0" rIns="0" bIns="0">
             <a:normAutofit/>
           </a:bodyPr>
-          <a:p>
-            <a:endParaRPr b="0" lang="en-US" sz="3200" spc="-1" strike="noStrike">
+          <a:lstStyle/>
+          <a:p>
+            <a:endParaRPr lang="en-US" sz="3200" b="0" strike="noStrike" spc="-1">
               <a:latin typeface="Arial"/>
             </a:endParaRPr>
           </a:p>
@@ -551,11 +671,14 @@
       </p:sp>
     </p:spTree>
   </p:cSld>
+  <p:clrMapOvr>
+    <a:masterClrMapping/>
+  </p:clrMapOvr>
 </p:sldLayout>
 </file>
 
 <file path=ppt/slideLayouts/slideLayout2.xml><?xml version="1.0" encoding="utf-8"?>
-<p:sldLayout xmlns:a="http://schemas.openxmlformats.org/drawingml/2006/main" xmlns:p="http://schemas.openxmlformats.org/presentationml/2006/main" xmlns:r="http://schemas.openxmlformats.org/officeDocument/2006/relationships" xmlns:p14="http://schemas.microsoft.com/office/powerpoint/2010/main" xmlns:p15="http://schemas.microsoft.com/office/powerpoint/2012/main" xmlns:mc="http://schemas.openxmlformats.org/markup-compatibility/2006" type="tx" preserve="1">
+<p:sldLayout xmlns:a="http://schemas.openxmlformats.org/drawingml/2006/main" xmlns:r="http://schemas.openxmlformats.org/officeDocument/2006/relationships" xmlns:p="http://schemas.openxmlformats.org/presentationml/2006/main" type="tx" preserve="1">
   <p:cSld name="Title Slide">
     <p:spTree>
       <p:nvGrpSpPr>
@@ -591,12 +714,13 @@
           </a:prstGeom>
         </p:spPr>
         <p:txBody>
-          <a:bodyPr lIns="0" rIns="0" tIns="0" bIns="0" anchor="ctr">
+          <a:bodyPr lIns="0" tIns="0" rIns="0" bIns="0" anchor="ctr">
             <a:spAutoFit/>
           </a:bodyPr>
+          <a:lstStyle/>
           <a:p>
             <a:pPr algn="ctr"/>
-            <a:endParaRPr b="0" lang="en-US" sz="4400" spc="-1" strike="noStrike">
+            <a:endParaRPr lang="en-US" sz="4400" b="0" strike="noStrike" spc="-1">
               <a:latin typeface="Arial"/>
             </a:endParaRPr>
           </a:p>
@@ -622,12 +746,13 @@
           </a:prstGeom>
         </p:spPr>
         <p:txBody>
-          <a:bodyPr lIns="0" rIns="0" tIns="0" bIns="0" anchor="ctr">
+          <a:bodyPr lIns="0" tIns="0" rIns="0" bIns="0" anchor="ctr">
             <a:spAutoFit/>
           </a:bodyPr>
+          <a:lstStyle/>
           <a:p>
             <a:pPr algn="ctr"/>
-            <a:endParaRPr b="0" lang="en-US" sz="3200" spc="-1" strike="noStrike">
+            <a:endParaRPr lang="en-US" sz="3200" b="0" strike="noStrike" spc="-1">
               <a:latin typeface="Arial"/>
             </a:endParaRPr>
           </a:p>
@@ -635,11 +760,14 @@
       </p:sp>
     </p:spTree>
   </p:cSld>
+  <p:clrMapOvr>
+    <a:masterClrMapping/>
+  </p:clrMapOvr>
 </p:sldLayout>
 </file>
 
 <file path=ppt/slideLayouts/slideLayout3.xml><?xml version="1.0" encoding="utf-8"?>
-<p:sldLayout xmlns:a="http://schemas.openxmlformats.org/drawingml/2006/main" xmlns:p="http://schemas.openxmlformats.org/presentationml/2006/main" xmlns:r="http://schemas.openxmlformats.org/officeDocument/2006/relationships" xmlns:p14="http://schemas.microsoft.com/office/powerpoint/2010/main" xmlns:p15="http://schemas.microsoft.com/office/powerpoint/2012/main" xmlns:mc="http://schemas.openxmlformats.org/markup-compatibility/2006" type="obj" preserve="1">
+<p:sldLayout xmlns:a="http://schemas.openxmlformats.org/drawingml/2006/main" xmlns:r="http://schemas.openxmlformats.org/officeDocument/2006/relationships" xmlns:p="http://schemas.openxmlformats.org/presentationml/2006/main" type="obj" preserve="1">
   <p:cSld name="Title, Content">
     <p:spTree>
       <p:nvGrpSpPr>
@@ -675,12 +803,13 @@
           </a:prstGeom>
         </p:spPr>
         <p:txBody>
-          <a:bodyPr lIns="0" rIns="0" tIns="0" bIns="0" anchor="ctr">
+          <a:bodyPr lIns="0" tIns="0" rIns="0" bIns="0" anchor="ctr">
             <a:spAutoFit/>
           </a:bodyPr>
+          <a:lstStyle/>
           <a:p>
             <a:pPr algn="ctr"/>
-            <a:endParaRPr b="0" lang="en-US" sz="4400" spc="-1" strike="noStrike">
+            <a:endParaRPr lang="en-US" sz="4400" b="0" strike="noStrike" spc="-1">
               <a:latin typeface="Arial"/>
             </a:endParaRPr>
           </a:p>
@@ -706,11 +835,12 @@
           </a:prstGeom>
         </p:spPr>
         <p:txBody>
-          <a:bodyPr lIns="0" rIns="0" tIns="0" bIns="0">
+          <a:bodyPr lIns="0" tIns="0" rIns="0" bIns="0">
             <a:normAutofit/>
           </a:bodyPr>
-          <a:p>
-            <a:endParaRPr b="0" lang="en-US" sz="3200" spc="-1" strike="noStrike">
+          <a:lstStyle/>
+          <a:p>
+            <a:endParaRPr lang="en-US" sz="3200" b="0" strike="noStrike" spc="-1">
               <a:latin typeface="Arial"/>
             </a:endParaRPr>
           </a:p>
@@ -718,11 +848,14 @@
       </p:sp>
     </p:spTree>
   </p:cSld>
+  <p:clrMapOvr>
+    <a:masterClrMapping/>
+  </p:clrMapOvr>
 </p:sldLayout>
 </file>
 
 <file path=ppt/slideLayouts/slideLayout4.xml><?xml version="1.0" encoding="utf-8"?>
-<p:sldLayout xmlns:a="http://schemas.openxmlformats.org/drawingml/2006/main" xmlns:p="http://schemas.openxmlformats.org/presentationml/2006/main" xmlns:r="http://schemas.openxmlformats.org/officeDocument/2006/relationships" xmlns:p14="http://schemas.microsoft.com/office/powerpoint/2010/main" xmlns:p15="http://schemas.microsoft.com/office/powerpoint/2012/main" xmlns:mc="http://schemas.openxmlformats.org/markup-compatibility/2006" type="twoObj" preserve="1">
+<p:sldLayout xmlns:a="http://schemas.openxmlformats.org/drawingml/2006/main" xmlns:r="http://schemas.openxmlformats.org/officeDocument/2006/relationships" xmlns:p="http://schemas.openxmlformats.org/presentationml/2006/main" type="twoObj" preserve="1">
   <p:cSld name="Title, 2 Content">
     <p:spTree>
       <p:nvGrpSpPr>
@@ -758,12 +891,13 @@
           </a:prstGeom>
         </p:spPr>
         <p:txBody>
-          <a:bodyPr lIns="0" rIns="0" tIns="0" bIns="0" anchor="ctr">
+          <a:bodyPr lIns="0" tIns="0" rIns="0" bIns="0" anchor="ctr">
             <a:spAutoFit/>
           </a:bodyPr>
+          <a:lstStyle/>
           <a:p>
             <a:pPr algn="ctr"/>
-            <a:endParaRPr b="0" lang="en-US" sz="4400" spc="-1" strike="noStrike">
+            <a:endParaRPr lang="en-US" sz="4400" b="0" strike="noStrike" spc="-1">
               <a:latin typeface="Arial"/>
             </a:endParaRPr>
           </a:p>
@@ -789,11 +923,12 @@
           </a:prstGeom>
         </p:spPr>
         <p:txBody>
-          <a:bodyPr lIns="0" rIns="0" tIns="0" bIns="0">
+          <a:bodyPr lIns="0" tIns="0" rIns="0" bIns="0">
             <a:normAutofit/>
           </a:bodyPr>
-          <a:p>
-            <a:endParaRPr b="0" lang="en-US" sz="3200" spc="-1" strike="noStrike">
+          <a:lstStyle/>
+          <a:p>
+            <a:endParaRPr lang="en-US" sz="3200" b="0" strike="noStrike" spc="-1">
               <a:latin typeface="Arial"/>
             </a:endParaRPr>
           </a:p>
@@ -819,11 +954,12 @@
           </a:prstGeom>
         </p:spPr>
         <p:txBody>
-          <a:bodyPr lIns="0" rIns="0" tIns="0" bIns="0">
+          <a:bodyPr lIns="0" tIns="0" rIns="0" bIns="0">
             <a:normAutofit/>
           </a:bodyPr>
-          <a:p>
-            <a:endParaRPr b="0" lang="en-US" sz="3200" spc="-1" strike="noStrike">
+          <a:lstStyle/>
+          <a:p>
+            <a:endParaRPr lang="en-US" sz="3200" b="0" strike="noStrike" spc="-1">
               <a:latin typeface="Arial"/>
             </a:endParaRPr>
           </a:p>
@@ -831,11 +967,14 @@
       </p:sp>
     </p:spTree>
   </p:cSld>
+  <p:clrMapOvr>
+    <a:masterClrMapping/>
+  </p:clrMapOvr>
 </p:sldLayout>
 </file>
 
 <file path=ppt/slideLayouts/slideLayout5.xml><?xml version="1.0" encoding="utf-8"?>
-<p:sldLayout xmlns:a="http://schemas.openxmlformats.org/drawingml/2006/main" xmlns:p="http://schemas.openxmlformats.org/presentationml/2006/main" xmlns:r="http://schemas.openxmlformats.org/officeDocument/2006/relationships" xmlns:p14="http://schemas.microsoft.com/office/powerpoint/2010/main" xmlns:p15="http://schemas.microsoft.com/office/powerpoint/2012/main" xmlns:mc="http://schemas.openxmlformats.org/markup-compatibility/2006" type="titleOnly" preserve="1">
+<p:sldLayout xmlns:a="http://schemas.openxmlformats.org/drawingml/2006/main" xmlns:r="http://schemas.openxmlformats.org/officeDocument/2006/relationships" xmlns:p="http://schemas.openxmlformats.org/presentationml/2006/main" type="titleOnly" preserve="1">
   <p:cSld name="Title Only">
     <p:spTree>
       <p:nvGrpSpPr>
@@ -871,12 +1010,13 @@
           </a:prstGeom>
         </p:spPr>
         <p:txBody>
-          <a:bodyPr lIns="0" rIns="0" tIns="0" bIns="0" anchor="ctr">
+          <a:bodyPr lIns="0" tIns="0" rIns="0" bIns="0" anchor="ctr">
             <a:spAutoFit/>
           </a:bodyPr>
+          <a:lstStyle/>
           <a:p>
             <a:pPr algn="ctr"/>
-            <a:endParaRPr b="0" lang="en-US" sz="4400" spc="-1" strike="noStrike">
+            <a:endParaRPr lang="en-US" sz="4400" b="0" strike="noStrike" spc="-1">
               <a:latin typeface="Arial"/>
             </a:endParaRPr>
           </a:p>
@@ -884,11 +1024,14 @@
       </p:sp>
     </p:spTree>
   </p:cSld>
+  <p:clrMapOvr>
+    <a:masterClrMapping/>
+  </p:clrMapOvr>
 </p:sldLayout>
 </file>
 
 <file path=ppt/slideLayouts/slideLayout6.xml><?xml version="1.0" encoding="utf-8"?>
-<p:sldLayout xmlns:a="http://schemas.openxmlformats.org/drawingml/2006/main" xmlns:p="http://schemas.openxmlformats.org/presentationml/2006/main" xmlns:r="http://schemas.openxmlformats.org/officeDocument/2006/relationships" xmlns:p14="http://schemas.microsoft.com/office/powerpoint/2010/main" xmlns:p15="http://schemas.microsoft.com/office/powerpoint/2012/main" xmlns:mc="http://schemas.openxmlformats.org/markup-compatibility/2006" type="objOnly" preserve="1">
+<p:sldLayout xmlns:a="http://schemas.openxmlformats.org/drawingml/2006/main" xmlns:r="http://schemas.openxmlformats.org/officeDocument/2006/relationships" xmlns:p="http://schemas.openxmlformats.org/presentationml/2006/main" type="objOnly" preserve="1">
   <p:cSld name="Centered Text">
     <p:spTree>
       <p:nvGrpSpPr>
@@ -924,12 +1067,13 @@
           </a:prstGeom>
         </p:spPr>
         <p:txBody>
-          <a:bodyPr lIns="0" rIns="0" tIns="0" bIns="0" anchor="ctr">
+          <a:bodyPr lIns="0" tIns="0" rIns="0" bIns="0" anchor="ctr">
             <a:spAutoFit/>
           </a:bodyPr>
+          <a:lstStyle/>
           <a:p>
             <a:pPr algn="ctr"/>
-            <a:endParaRPr b="0" lang="en-US" sz="3200" spc="-1" strike="noStrike">
+            <a:endParaRPr lang="en-US" sz="3200" b="0" strike="noStrike" spc="-1">
               <a:latin typeface="Arial"/>
             </a:endParaRPr>
           </a:p>
@@ -937,11 +1081,14 @@
       </p:sp>
     </p:spTree>
   </p:cSld>
+  <p:clrMapOvr>
+    <a:masterClrMapping/>
+  </p:clrMapOvr>
 </p:sldLayout>
 </file>
 
 <file path=ppt/slideLayouts/slideLayout7.xml><?xml version="1.0" encoding="utf-8"?>
-<p:sldLayout xmlns:a="http://schemas.openxmlformats.org/drawingml/2006/main" xmlns:p="http://schemas.openxmlformats.org/presentationml/2006/main" xmlns:r="http://schemas.openxmlformats.org/officeDocument/2006/relationships" xmlns:p14="http://schemas.microsoft.com/office/powerpoint/2010/main" xmlns:p15="http://schemas.microsoft.com/office/powerpoint/2012/main" xmlns:mc="http://schemas.openxmlformats.org/markup-compatibility/2006" type="twoObjAndObj" preserve="1">
+<p:sldLayout xmlns:a="http://schemas.openxmlformats.org/drawingml/2006/main" xmlns:r="http://schemas.openxmlformats.org/officeDocument/2006/relationships" xmlns:p="http://schemas.openxmlformats.org/presentationml/2006/main" type="twoObjAndObj" preserve="1">
   <p:cSld name="Title, 2 Content and Content">
     <p:spTree>
       <p:nvGrpSpPr>
@@ -977,12 +1124,13 @@
           </a:prstGeom>
         </p:spPr>
         <p:txBody>
-          <a:bodyPr lIns="0" rIns="0" tIns="0" bIns="0" anchor="ctr">
+          <a:bodyPr lIns="0" tIns="0" rIns="0" bIns="0" anchor="ctr">
             <a:spAutoFit/>
           </a:bodyPr>
+          <a:lstStyle/>
           <a:p>
             <a:pPr algn="ctr"/>
-            <a:endParaRPr b="0" lang="en-US" sz="4400" spc="-1" strike="noStrike">
+            <a:endParaRPr lang="en-US" sz="4400" b="0" strike="noStrike" spc="-1">
               <a:latin typeface="Arial"/>
             </a:endParaRPr>
           </a:p>
@@ -1008,11 +1156,12 @@
           </a:prstGeom>
         </p:spPr>
         <p:txBody>
-          <a:bodyPr lIns="0" rIns="0" tIns="0" bIns="0">
+          <a:bodyPr lIns="0" tIns="0" rIns="0" bIns="0">
             <a:normAutofit/>
           </a:bodyPr>
-          <a:p>
-            <a:endParaRPr b="0" lang="en-US" sz="3200" spc="-1" strike="noStrike">
+          <a:lstStyle/>
+          <a:p>
+            <a:endParaRPr lang="en-US" sz="3200" b="0" strike="noStrike" spc="-1">
               <a:latin typeface="Arial"/>
             </a:endParaRPr>
           </a:p>
@@ -1038,11 +1187,12 @@
           </a:prstGeom>
         </p:spPr>
         <p:txBody>
-          <a:bodyPr lIns="0" rIns="0" tIns="0" bIns="0">
+          <a:bodyPr lIns="0" tIns="0" rIns="0" bIns="0">
             <a:normAutofit/>
           </a:bodyPr>
-          <a:p>
-            <a:endParaRPr b="0" lang="en-US" sz="3200" spc="-1" strike="noStrike">
+          <a:lstStyle/>
+          <a:p>
+            <a:endParaRPr lang="en-US" sz="3200" b="0" strike="noStrike" spc="-1">
               <a:latin typeface="Arial"/>
             </a:endParaRPr>
           </a:p>
@@ -1068,11 +1218,12 @@
           </a:prstGeom>
         </p:spPr>
         <p:txBody>
-          <a:bodyPr lIns="0" rIns="0" tIns="0" bIns="0">
+          <a:bodyPr lIns="0" tIns="0" rIns="0" bIns="0">
             <a:normAutofit/>
           </a:bodyPr>
-          <a:p>
-            <a:endParaRPr b="0" lang="en-US" sz="3200" spc="-1" strike="noStrike">
+          <a:lstStyle/>
+          <a:p>
+            <a:endParaRPr lang="en-US" sz="3200" b="0" strike="noStrike" spc="-1">
               <a:latin typeface="Arial"/>
             </a:endParaRPr>
           </a:p>
@@ -1080,11 +1231,14 @@
       </p:sp>
     </p:spTree>
   </p:cSld>
+  <p:clrMapOvr>
+    <a:masterClrMapping/>
+  </p:clrMapOvr>
 </p:sldLayout>
 </file>
 
 <file path=ppt/slideLayouts/slideLayout8.xml><?xml version="1.0" encoding="utf-8"?>
-<p:sldLayout xmlns:a="http://schemas.openxmlformats.org/drawingml/2006/main" xmlns:p="http://schemas.openxmlformats.org/presentationml/2006/main" xmlns:r="http://schemas.openxmlformats.org/officeDocument/2006/relationships" xmlns:p14="http://schemas.microsoft.com/office/powerpoint/2010/main" xmlns:p15="http://schemas.microsoft.com/office/powerpoint/2012/main" xmlns:mc="http://schemas.openxmlformats.org/markup-compatibility/2006" type="objAndTwoObj" preserve="1">
+<p:sldLayout xmlns:a="http://schemas.openxmlformats.org/drawingml/2006/main" xmlns:r="http://schemas.openxmlformats.org/officeDocument/2006/relationships" xmlns:p="http://schemas.openxmlformats.org/presentationml/2006/main" type="objAndTwoObj" preserve="1">
   <p:cSld name="Title Content and 2 Content">
     <p:spTree>
       <p:nvGrpSpPr>
@@ -1120,12 +1274,13 @@
           </a:prstGeom>
         </p:spPr>
         <p:txBody>
-          <a:bodyPr lIns="0" rIns="0" tIns="0" bIns="0" anchor="ctr">
+          <a:bodyPr lIns="0" tIns="0" rIns="0" bIns="0" anchor="ctr">
             <a:spAutoFit/>
           </a:bodyPr>
+          <a:lstStyle/>
           <a:p>
             <a:pPr algn="ctr"/>
-            <a:endParaRPr b="0" lang="en-US" sz="4400" spc="-1" strike="noStrike">
+            <a:endParaRPr lang="en-US" sz="4400" b="0" strike="noStrike" spc="-1">
               <a:latin typeface="Arial"/>
             </a:endParaRPr>
           </a:p>
@@ -1151,11 +1306,12 @@
           </a:prstGeom>
         </p:spPr>
         <p:txBody>
-          <a:bodyPr lIns="0" rIns="0" tIns="0" bIns="0">
+          <a:bodyPr lIns="0" tIns="0" rIns="0" bIns="0">
             <a:normAutofit/>
           </a:bodyPr>
-          <a:p>
-            <a:endParaRPr b="0" lang="en-US" sz="3200" spc="-1" strike="noStrike">
+          <a:lstStyle/>
+          <a:p>
+            <a:endParaRPr lang="en-US" sz="3200" b="0" strike="noStrike" spc="-1">
               <a:latin typeface="Arial"/>
             </a:endParaRPr>
           </a:p>
@@ -1181,11 +1337,12 @@
           </a:prstGeom>
         </p:spPr>
         <p:txBody>
-          <a:bodyPr lIns="0" rIns="0" tIns="0" bIns="0">
+          <a:bodyPr lIns="0" tIns="0" rIns="0" bIns="0">
             <a:normAutofit/>
           </a:bodyPr>
-          <a:p>
-            <a:endParaRPr b="0" lang="en-US" sz="3200" spc="-1" strike="noStrike">
+          <a:lstStyle/>
+          <a:p>
+            <a:endParaRPr lang="en-US" sz="3200" b="0" strike="noStrike" spc="-1">
               <a:latin typeface="Arial"/>
             </a:endParaRPr>
           </a:p>
@@ -1211,11 +1368,12 @@
           </a:prstGeom>
         </p:spPr>
         <p:txBody>
-          <a:bodyPr lIns="0" rIns="0" tIns="0" bIns="0">
+          <a:bodyPr lIns="0" tIns="0" rIns="0" bIns="0">
             <a:normAutofit/>
           </a:bodyPr>
-          <a:p>
-            <a:endParaRPr b="0" lang="en-US" sz="3200" spc="-1" strike="noStrike">
+          <a:lstStyle/>
+          <a:p>
+            <a:endParaRPr lang="en-US" sz="3200" b="0" strike="noStrike" spc="-1">
               <a:latin typeface="Arial"/>
             </a:endParaRPr>
           </a:p>
@@ -1223,11 +1381,14 @@
       </p:sp>
     </p:spTree>
   </p:cSld>
+  <p:clrMapOvr>
+    <a:masterClrMapping/>
+  </p:clrMapOvr>
 </p:sldLayout>
 </file>
 
 <file path=ppt/slideLayouts/slideLayout9.xml><?xml version="1.0" encoding="utf-8"?>
-<p:sldLayout xmlns:a="http://schemas.openxmlformats.org/drawingml/2006/main" xmlns:p="http://schemas.openxmlformats.org/presentationml/2006/main" xmlns:r="http://schemas.openxmlformats.org/officeDocument/2006/relationships" xmlns:p14="http://schemas.microsoft.com/office/powerpoint/2010/main" xmlns:p15="http://schemas.microsoft.com/office/powerpoint/2012/main" xmlns:mc="http://schemas.openxmlformats.org/markup-compatibility/2006" type="twoObjOverTx" preserve="1">
+<p:sldLayout xmlns:a="http://schemas.openxmlformats.org/drawingml/2006/main" xmlns:r="http://schemas.openxmlformats.org/officeDocument/2006/relationships" xmlns:p="http://schemas.openxmlformats.org/presentationml/2006/main" type="twoObjOverTx" preserve="1">
   <p:cSld name="Title, 2 Content over Content">
     <p:spTree>
       <p:nvGrpSpPr>
@@ -1263,12 +1424,13 @@
           </a:prstGeom>
         </p:spPr>
         <p:txBody>
-          <a:bodyPr lIns="0" rIns="0" tIns="0" bIns="0" anchor="ctr">
+          <a:bodyPr lIns="0" tIns="0" rIns="0" bIns="0" anchor="ctr">
             <a:spAutoFit/>
           </a:bodyPr>
+          <a:lstStyle/>
           <a:p>
             <a:pPr algn="ctr"/>
-            <a:endParaRPr b="0" lang="en-US" sz="4400" spc="-1" strike="noStrike">
+            <a:endParaRPr lang="en-US" sz="4400" b="0" strike="noStrike" spc="-1">
               <a:latin typeface="Arial"/>
             </a:endParaRPr>
           </a:p>
@@ -1294,11 +1456,12 @@
           </a:prstGeom>
         </p:spPr>
         <p:txBody>
-          <a:bodyPr lIns="0" rIns="0" tIns="0" bIns="0">
+          <a:bodyPr lIns="0" tIns="0" rIns="0" bIns="0">
             <a:normAutofit/>
           </a:bodyPr>
-          <a:p>
-            <a:endParaRPr b="0" lang="en-US" sz="3200" spc="-1" strike="noStrike">
+          <a:lstStyle/>
+          <a:p>
+            <a:endParaRPr lang="en-US" sz="3200" b="0" strike="noStrike" spc="-1">
               <a:latin typeface="Arial"/>
             </a:endParaRPr>
           </a:p>
@@ -1324,11 +1487,12 @@
           </a:prstGeom>
         </p:spPr>
         <p:txBody>
-          <a:bodyPr lIns="0" rIns="0" tIns="0" bIns="0">
+          <a:bodyPr lIns="0" tIns="0" rIns="0" bIns="0">
             <a:normAutofit/>
           </a:bodyPr>
-          <a:p>
-            <a:endParaRPr b="0" lang="en-US" sz="3200" spc="-1" strike="noStrike">
+          <a:lstStyle/>
+          <a:p>
+            <a:endParaRPr lang="en-US" sz="3200" b="0" strike="noStrike" spc="-1">
               <a:latin typeface="Arial"/>
             </a:endParaRPr>
           </a:p>
@@ -1354,11 +1518,12 @@
           </a:prstGeom>
         </p:spPr>
         <p:txBody>
-          <a:bodyPr lIns="0" rIns="0" tIns="0" bIns="0">
+          <a:bodyPr lIns="0" tIns="0" rIns="0" bIns="0">
             <a:normAutofit/>
           </a:bodyPr>
-          <a:p>
-            <a:endParaRPr b="0" lang="en-US" sz="3200" spc="-1" strike="noStrike">
+          <a:lstStyle/>
+          <a:p>
+            <a:endParaRPr lang="en-US" sz="3200" b="0" strike="noStrike" spc="-1">
               <a:latin typeface="Arial"/>
             </a:endParaRPr>
           </a:p>
@@ -1366,11 +1531,613 @@
       </p:sp>
     </p:spTree>
   </p:cSld>
+  <p:clrMapOvr>
+    <a:masterClrMapping/>
+  </p:clrMapOvr>
 </p:sldLayout>
 </file>
 
 <file path=ppt/slideMasters/slideMaster1.xml><?xml version="1.0" encoding="utf-8"?>
-<p:sldMaster xmlns:a="http://schemas.openxmlformats.org/drawingml/2006/main" xmlns:p="http://schemas.openxmlformats.org/presentationml/2006/main" xmlns:r="http://schemas.openxmlformats.org/officeDocument/2006/relationships" xmlns:p14="http://schemas.microsoft.com/office/powerpoint/2010/main" xmlns:p15="http://schemas.microsoft.com/office/powerpoint/2012/main" xmlns:mc="http://schemas.openxmlformats.org/markup-compatibility/2006">
+<p:sldMaster xmlns:a="http://schemas.openxmlformats.org/drawingml/2006/main" xmlns:r="http://schemas.openxmlformats.org/officeDocument/2006/relationships" xmlns:p="http://schemas.openxmlformats.org/presentationml/2006/main">
+  <p:cSld>
+    <p:bg>
+      <p:bgRef idx="1001">
+        <a:schemeClr val="bg1"/>
+      </p:bgRef>
+    </p:bg>
+    <p:spTree>
+      <p:nvGrpSpPr>
+        <p:cNvPr id="1" name=""/>
+        <p:cNvGrpSpPr/>
+        <p:nvPr/>
+      </p:nvGrpSpPr>
+      <p:grpSpPr>
+        <a:xfrm>
+          <a:off x="0" y="0"/>
+          <a:ext cx="0" cy="0"/>
+          <a:chOff x="0" y="0"/>
+          <a:chExt cx="0" cy="0"/>
+        </a:xfrm>
+      </p:grpSpPr>
+      <p:sp>
+        <p:nvSpPr>
+          <p:cNvPr id="4" name="CustomShape 1"/>
+          <p:cNvSpPr/>
+          <p:nvPr/>
+        </p:nvSpPr>
+        <p:spPr>
+          <a:xfrm>
+            <a:off x="0" y="0"/>
+            <a:ext cx="10076400" cy="941400"/>
+          </a:xfrm>
+          <a:prstGeom prst="rect">
+            <a:avLst/>
+          </a:prstGeom>
+          <a:gradFill rotWithShape="0">
+            <a:gsLst>
+              <a:gs pos="0">
+                <a:srgbClr val="DFF2FC"/>
+              </a:gs>
+              <a:gs pos="100000">
+                <a:srgbClr val="009BDD"/>
+              </a:gs>
+            </a:gsLst>
+            <a:lin ang="10800000"/>
+          </a:gradFill>
+          <a:ln>
+            <a:noFill/>
+          </a:ln>
+        </p:spPr>
+        <p:style>
+          <a:lnRef idx="0">
+            <a:scrgbClr r="0" g="0" b="0"/>
+          </a:lnRef>
+          <a:fillRef idx="0">
+            <a:scrgbClr r="0" g="0" b="0"/>
+          </a:fillRef>
+          <a:effectRef idx="0">
+            <a:scrgbClr r="0" g="0" b="0"/>
+          </a:effectRef>
+          <a:fontRef idx="minor"/>
+        </p:style>
+      </p:sp>
+      <p:sp>
+        <p:nvSpPr>
+          <p:cNvPr id="5" name="CustomShape 2"/>
+          <p:cNvSpPr/>
+          <p:nvPr/>
+        </p:nvSpPr>
+        <p:spPr>
+          <a:xfrm>
+            <a:off x="0" y="6620400"/>
+            <a:ext cx="10076400" cy="941400"/>
+          </a:xfrm>
+          <a:prstGeom prst="rect">
+            <a:avLst/>
+          </a:prstGeom>
+          <a:gradFill rotWithShape="0">
+            <a:gsLst>
+              <a:gs pos="0">
+                <a:srgbClr val="DFF2FC"/>
+              </a:gs>
+              <a:gs pos="100000">
+                <a:srgbClr val="009BDD"/>
+              </a:gs>
+            </a:gsLst>
+            <a:lin ang="10800000"/>
+          </a:gradFill>
+          <a:ln>
+            <a:noFill/>
+          </a:ln>
+        </p:spPr>
+        <p:style>
+          <a:lnRef idx="0">
+            <a:scrgbClr r="0" g="0" b="0"/>
+          </a:lnRef>
+          <a:fillRef idx="0">
+            <a:scrgbClr r="0" g="0" b="0"/>
+          </a:fillRef>
+          <a:effectRef idx="0">
+            <a:scrgbClr r="0" g="0" b="0"/>
+          </a:effectRef>
+          <a:fontRef idx="minor"/>
+        </p:style>
+      </p:sp>
+      <p:sp>
+        <p:nvSpPr>
+          <p:cNvPr id="2" name="PlaceHolder 3"/>
+          <p:cNvSpPr>
+            <a:spLocks noGrp="1"/>
+          </p:cNvSpPr>
+          <p:nvPr>
+            <p:ph type="title"/>
+          </p:nvPr>
+        </p:nvSpPr>
+        <p:spPr>
+          <a:xfrm>
+            <a:off x="504000" y="-11160"/>
+            <a:ext cx="9071280" cy="1262160"/>
+          </a:xfrm>
+          <a:prstGeom prst="rect">
+            <a:avLst/>
+          </a:prstGeom>
+        </p:spPr>
+        <p:txBody>
+          <a:bodyPr lIns="0" tIns="0" rIns="0" bIns="0" anchor="ctr">
+            <a:spAutoFit/>
+          </a:bodyPr>
+          <a:lstStyle/>
+          <a:p>
+            <a:r>
+              <a:rPr lang="en-US" sz="1800" b="0" strike="noStrike" spc="-1">
+                <a:latin typeface="Arial"/>
+              </a:rPr>
+              <a:t>Click to edit the title text format</a:t>
+            </a:r>
+          </a:p>
+        </p:txBody>
+      </p:sp>
+      <p:sp>
+        <p:nvSpPr>
+          <p:cNvPr id="3" name="PlaceHolder 4"/>
+          <p:cNvSpPr>
+            <a:spLocks noGrp="1"/>
+          </p:cNvSpPr>
+          <p:nvPr>
+            <p:ph type="body"/>
+          </p:nvPr>
+        </p:nvSpPr>
+        <p:spPr>
+          <a:xfrm>
+            <a:off x="504000" y="1769040"/>
+            <a:ext cx="9071280" cy="4384080"/>
+          </a:xfrm>
+          <a:prstGeom prst="rect">
+            <a:avLst/>
+          </a:prstGeom>
+        </p:spPr>
+        <p:txBody>
+          <a:bodyPr lIns="0" tIns="0" rIns="0" bIns="0">
+            <a:noAutofit/>
+          </a:bodyPr>
+          <a:lstStyle/>
+          <a:p>
+            <a:pPr marL="432000" indent="-324000">
+              <a:spcBef>
+                <a:spcPts val="1417"/>
+              </a:spcBef>
+              <a:buClr>
+                <a:srgbClr val="000000"/>
+              </a:buClr>
+              <a:buSzPct val="45000"/>
+              <a:buFont typeface="Wingdings" charset="2"/>
+              <a:buChar char=""/>
+            </a:pPr>
+            <a:r>
+              <a:rPr lang="en-US" sz="1800" b="0" strike="noStrike" spc="-1">
+                <a:latin typeface="Arial"/>
+              </a:rPr>
+              <a:t>Click to edit the outline text format</a:t>
+            </a:r>
+          </a:p>
+          <a:p>
+            <a:pPr marL="864000" lvl="1" indent="-324000">
+              <a:spcBef>
+                <a:spcPts val="1134"/>
+              </a:spcBef>
+              <a:buClr>
+                <a:srgbClr val="000000"/>
+              </a:buClr>
+              <a:buSzPct val="75000"/>
+              <a:buFont typeface="Symbol" charset="2"/>
+              <a:buChar char=""/>
+            </a:pPr>
+            <a:r>
+              <a:rPr lang="en-US" sz="1800" b="0" strike="noStrike" spc="-1">
+                <a:latin typeface="Arial"/>
+              </a:rPr>
+              <a:t>Second Outline Level</a:t>
+            </a:r>
+          </a:p>
+          <a:p>
+            <a:pPr marL="1296000" lvl="2" indent="-288000">
+              <a:spcBef>
+                <a:spcPts val="850"/>
+              </a:spcBef>
+              <a:buClr>
+                <a:srgbClr val="000000"/>
+              </a:buClr>
+              <a:buSzPct val="45000"/>
+              <a:buFont typeface="Wingdings" charset="2"/>
+              <a:buChar char=""/>
+            </a:pPr>
+            <a:r>
+              <a:rPr lang="en-US" sz="1800" b="0" strike="noStrike" spc="-1">
+                <a:latin typeface="Arial"/>
+              </a:rPr>
+              <a:t>Third Outline Level</a:t>
+            </a:r>
+          </a:p>
+          <a:p>
+            <a:pPr marL="1728000" lvl="3" indent="-216000">
+              <a:spcBef>
+                <a:spcPts val="567"/>
+              </a:spcBef>
+              <a:buClr>
+                <a:srgbClr val="000000"/>
+              </a:buClr>
+              <a:buSzPct val="75000"/>
+              <a:buFont typeface="Symbol" charset="2"/>
+              <a:buChar char=""/>
+            </a:pPr>
+            <a:r>
+              <a:rPr lang="en-US" sz="1800" b="0" strike="noStrike" spc="-1">
+                <a:latin typeface="Arial"/>
+              </a:rPr>
+              <a:t>Fourth Outline Level</a:t>
+            </a:r>
+          </a:p>
+          <a:p>
+            <a:pPr marL="2160000" lvl="4" indent="-216000">
+              <a:spcBef>
+                <a:spcPts val="283"/>
+              </a:spcBef>
+              <a:buClr>
+                <a:srgbClr val="000000"/>
+              </a:buClr>
+              <a:buSzPct val="45000"/>
+              <a:buFont typeface="Wingdings" charset="2"/>
+              <a:buChar char=""/>
+            </a:pPr>
+            <a:r>
+              <a:rPr lang="en-US" sz="1800" b="0" strike="noStrike" spc="-1">
+                <a:latin typeface="Arial"/>
+              </a:rPr>
+              <a:t>Fifth Outline Level</a:t>
+            </a:r>
+          </a:p>
+          <a:p>
+            <a:pPr marL="2592000" lvl="5" indent="-216000">
+              <a:spcBef>
+                <a:spcPts val="283"/>
+              </a:spcBef>
+              <a:buClr>
+                <a:srgbClr val="000000"/>
+              </a:buClr>
+              <a:buSzPct val="45000"/>
+              <a:buFont typeface="Wingdings" charset="2"/>
+              <a:buChar char=""/>
+            </a:pPr>
+            <a:r>
+              <a:rPr lang="en-US" sz="1800" b="0" strike="noStrike" spc="-1">
+                <a:latin typeface="Arial"/>
+              </a:rPr>
+              <a:t>Sixth Outline Level</a:t>
+            </a:r>
+          </a:p>
+          <a:p>
+            <a:pPr marL="3024000" lvl="6" indent="-216000">
+              <a:spcBef>
+                <a:spcPts val="283"/>
+              </a:spcBef>
+              <a:buClr>
+                <a:srgbClr val="000000"/>
+              </a:buClr>
+              <a:buSzPct val="45000"/>
+              <a:buFont typeface="Wingdings" charset="2"/>
+              <a:buChar char=""/>
+            </a:pPr>
+            <a:r>
+              <a:rPr lang="en-US" sz="1800" b="0" strike="noStrike" spc="-1">
+                <a:latin typeface="Arial"/>
+              </a:rPr>
+              <a:t>Seventh Outline Level</a:t>
+            </a:r>
+          </a:p>
+        </p:txBody>
+      </p:sp>
+    </p:spTree>
+  </p:cSld>
+  <p:clrMap bg1="lt1" tx1="dk1" bg2="lt2" tx2="dk2" accent1="accent1" accent2="accent2" accent3="accent3" accent4="accent4" accent5="accent5" accent6="accent6" hlink="hlink" folHlink="folHlink"/>
+  <p:sldLayoutIdLst>
+    <p:sldLayoutId id="2147483649" r:id="rId1"/>
+    <p:sldLayoutId id="2147483650" r:id="rId2"/>
+    <p:sldLayoutId id="2147483651" r:id="rId3"/>
+    <p:sldLayoutId id="2147483652" r:id="rId4"/>
+    <p:sldLayoutId id="2147483653" r:id="rId5"/>
+    <p:sldLayoutId id="2147483654" r:id="rId6"/>
+    <p:sldLayoutId id="2147483655" r:id="rId7"/>
+    <p:sldLayoutId id="2147483656" r:id="rId8"/>
+    <p:sldLayoutId id="2147483657" r:id="rId9"/>
+    <p:sldLayoutId id="2147483658" r:id="rId10"/>
+    <p:sldLayoutId id="2147483659" r:id="rId11"/>
+    <p:sldLayoutId id="2147483660" r:id="rId12"/>
+  </p:sldLayoutIdLst>
+  <p:txStyles>
+    <p:titleStyle>
+      <a:lvl1pPr algn="l" defTabSz="914400" rtl="0" eaLnBrk="1" latinLnBrk="0" hangingPunct="1">
+        <a:lnSpc>
+          <a:spcPct val="90000"/>
+        </a:lnSpc>
+        <a:spcBef>
+          <a:spcPct val="0"/>
+        </a:spcBef>
+        <a:buNone/>
+        <a:defRPr sz="4400" kern="1200">
+          <a:solidFill>
+            <a:schemeClr val="tx1"/>
+          </a:solidFill>
+          <a:latin typeface="+mj-lt"/>
+          <a:ea typeface="+mj-ea"/>
+          <a:cs typeface="+mj-cs"/>
+        </a:defRPr>
+      </a:lvl1pPr>
+    </p:titleStyle>
+    <p:bodyStyle>
+      <a:lvl1pPr marL="228600" indent="-228600" algn="l" defTabSz="914400" rtl="0" eaLnBrk="1" latinLnBrk="0" hangingPunct="1">
+        <a:lnSpc>
+          <a:spcPct val="90000"/>
+        </a:lnSpc>
+        <a:spcBef>
+          <a:spcPts val="1000"/>
+        </a:spcBef>
+        <a:buFont typeface="Arial" panose="020B0604020202020204" pitchFamily="34" charset="0"/>
+        <a:buChar char="•"/>
+        <a:defRPr sz="2800" kern="1200">
+          <a:solidFill>
+            <a:schemeClr val="tx1"/>
+          </a:solidFill>
+          <a:latin typeface="+mn-lt"/>
+          <a:ea typeface="+mn-ea"/>
+          <a:cs typeface="+mn-cs"/>
+        </a:defRPr>
+      </a:lvl1pPr>
+      <a:lvl2pPr marL="685800" indent="-228600" algn="l" defTabSz="914400" rtl="0" eaLnBrk="1" latinLnBrk="0" hangingPunct="1">
+        <a:lnSpc>
+          <a:spcPct val="90000"/>
+        </a:lnSpc>
+        <a:spcBef>
+          <a:spcPts val="500"/>
+        </a:spcBef>
+        <a:buFont typeface="Arial" panose="020B0604020202020204" pitchFamily="34" charset="0"/>
+        <a:buChar char="•"/>
+        <a:defRPr sz="2400" kern="1200">
+          <a:solidFill>
+            <a:schemeClr val="tx1"/>
+          </a:solidFill>
+          <a:latin typeface="+mn-lt"/>
+          <a:ea typeface="+mn-ea"/>
+          <a:cs typeface="+mn-cs"/>
+        </a:defRPr>
+      </a:lvl2pPr>
+      <a:lvl3pPr marL="1143000" indent="-228600" algn="l" defTabSz="914400" rtl="0" eaLnBrk="1" latinLnBrk="0" hangingPunct="1">
+        <a:lnSpc>
+          <a:spcPct val="90000"/>
+        </a:lnSpc>
+        <a:spcBef>
+          <a:spcPts val="500"/>
+        </a:spcBef>
+        <a:buFont typeface="Arial" panose="020B0604020202020204" pitchFamily="34" charset="0"/>
+        <a:buChar char="•"/>
+        <a:defRPr sz="2000" kern="1200">
+          <a:solidFill>
+            <a:schemeClr val="tx1"/>
+          </a:solidFill>
+          <a:latin typeface="+mn-lt"/>
+          <a:ea typeface="+mn-ea"/>
+          <a:cs typeface="+mn-cs"/>
+        </a:defRPr>
+      </a:lvl3pPr>
+      <a:lvl4pPr marL="1600200" indent="-228600" algn="l" defTabSz="914400" rtl="0" eaLnBrk="1" latinLnBrk="0" hangingPunct="1">
+        <a:lnSpc>
+          <a:spcPct val="90000"/>
+        </a:lnSpc>
+        <a:spcBef>
+          <a:spcPts val="500"/>
+        </a:spcBef>
+        <a:buFont typeface="Arial" panose="020B0604020202020204" pitchFamily="34" charset="0"/>
+        <a:buChar char="•"/>
+        <a:defRPr sz="1800" kern="1200">
+          <a:solidFill>
+            <a:schemeClr val="tx1"/>
+          </a:solidFill>
+          <a:latin typeface="+mn-lt"/>
+          <a:ea typeface="+mn-ea"/>
+          <a:cs typeface="+mn-cs"/>
+        </a:defRPr>
+      </a:lvl4pPr>
+      <a:lvl5pPr marL="2057400" indent="-228600" algn="l" defTabSz="914400" rtl="0" eaLnBrk="1" latinLnBrk="0" hangingPunct="1">
+        <a:lnSpc>
+          <a:spcPct val="90000"/>
+        </a:lnSpc>
+        <a:spcBef>
+          <a:spcPts val="500"/>
+        </a:spcBef>
+        <a:buFont typeface="Arial" panose="020B0604020202020204" pitchFamily="34" charset="0"/>
+        <a:buChar char="•"/>
+        <a:defRPr sz="1800" kern="1200">
+          <a:solidFill>
+            <a:schemeClr val="tx1"/>
+          </a:solidFill>
+          <a:latin typeface="+mn-lt"/>
+          <a:ea typeface="+mn-ea"/>
+          <a:cs typeface="+mn-cs"/>
+        </a:defRPr>
+      </a:lvl5pPr>
+      <a:lvl6pPr marL="2514600" indent="-228600" algn="l" defTabSz="914400" rtl="0" eaLnBrk="1" latinLnBrk="0" hangingPunct="1">
+        <a:lnSpc>
+          <a:spcPct val="90000"/>
+        </a:lnSpc>
+        <a:spcBef>
+          <a:spcPts val="500"/>
+        </a:spcBef>
+        <a:buFont typeface="Arial" panose="020B0604020202020204" pitchFamily="34" charset="0"/>
+        <a:buChar char="•"/>
+        <a:defRPr sz="1800" kern="1200">
+          <a:solidFill>
+            <a:schemeClr val="tx1"/>
+          </a:solidFill>
+          <a:latin typeface="+mn-lt"/>
+          <a:ea typeface="+mn-ea"/>
+          <a:cs typeface="+mn-cs"/>
+        </a:defRPr>
+      </a:lvl6pPr>
+      <a:lvl7pPr marL="2971800" indent="-228600" algn="l" defTabSz="914400" rtl="0" eaLnBrk="1" latinLnBrk="0" hangingPunct="1">
+        <a:lnSpc>
+          <a:spcPct val="90000"/>
+        </a:lnSpc>
+        <a:spcBef>
+          <a:spcPts val="500"/>
+        </a:spcBef>
+        <a:buFont typeface="Arial" panose="020B0604020202020204" pitchFamily="34" charset="0"/>
+        <a:buChar char="•"/>
+        <a:defRPr sz="1800" kern="1200">
+          <a:solidFill>
+            <a:schemeClr val="tx1"/>
+          </a:solidFill>
+          <a:latin typeface="+mn-lt"/>
+          <a:ea typeface="+mn-ea"/>
+          <a:cs typeface="+mn-cs"/>
+        </a:defRPr>
+      </a:lvl7pPr>
+      <a:lvl8pPr marL="3429000" indent="-228600" algn="l" defTabSz="914400" rtl="0" eaLnBrk="1" latinLnBrk="0" hangingPunct="1">
+        <a:lnSpc>
+          <a:spcPct val="90000"/>
+        </a:lnSpc>
+        <a:spcBef>
+          <a:spcPts val="500"/>
+        </a:spcBef>
+        <a:buFont typeface="Arial" panose="020B0604020202020204" pitchFamily="34" charset="0"/>
+        <a:buChar char="•"/>
+        <a:defRPr sz="1800" kern="1200">
+          <a:solidFill>
+            <a:schemeClr val="tx1"/>
+          </a:solidFill>
+          <a:latin typeface="+mn-lt"/>
+          <a:ea typeface="+mn-ea"/>
+          <a:cs typeface="+mn-cs"/>
+        </a:defRPr>
+      </a:lvl8pPr>
+      <a:lvl9pPr marL="3886200" indent="-228600" algn="l" defTabSz="914400" rtl="0" eaLnBrk="1" latinLnBrk="0" hangingPunct="1">
+        <a:lnSpc>
+          <a:spcPct val="90000"/>
+        </a:lnSpc>
+        <a:spcBef>
+          <a:spcPts val="500"/>
+        </a:spcBef>
+        <a:buFont typeface="Arial" panose="020B0604020202020204" pitchFamily="34" charset="0"/>
+        <a:buChar char="•"/>
+        <a:defRPr sz="1800" kern="1200">
+          <a:solidFill>
+            <a:schemeClr val="tx1"/>
+          </a:solidFill>
+          <a:latin typeface="+mn-lt"/>
+          <a:ea typeface="+mn-ea"/>
+          <a:cs typeface="+mn-cs"/>
+        </a:defRPr>
+      </a:lvl9pPr>
+    </p:bodyStyle>
+    <p:otherStyle>
+      <a:defPPr>
+        <a:defRPr lang="en-US"/>
+      </a:defPPr>
+      <a:lvl1pPr marL="0" algn="l" defTabSz="914400" rtl="0" eaLnBrk="1" latinLnBrk="0" hangingPunct="1">
+        <a:defRPr sz="1800" kern="1200">
+          <a:solidFill>
+            <a:schemeClr val="tx1"/>
+          </a:solidFill>
+          <a:latin typeface="+mn-lt"/>
+          <a:ea typeface="+mn-ea"/>
+          <a:cs typeface="+mn-cs"/>
+        </a:defRPr>
+      </a:lvl1pPr>
+      <a:lvl2pPr marL="457200" algn="l" defTabSz="914400" rtl="0" eaLnBrk="1" latinLnBrk="0" hangingPunct="1">
+        <a:defRPr sz="1800" kern="1200">
+          <a:solidFill>
+            <a:schemeClr val="tx1"/>
+          </a:solidFill>
+          <a:latin typeface="+mn-lt"/>
+          <a:ea typeface="+mn-ea"/>
+          <a:cs typeface="+mn-cs"/>
+        </a:defRPr>
+      </a:lvl2pPr>
+      <a:lvl3pPr marL="914400" algn="l" defTabSz="914400" rtl="0" eaLnBrk="1" latinLnBrk="0" hangingPunct="1">
+        <a:defRPr sz="1800" kern="1200">
+          <a:solidFill>
+            <a:schemeClr val="tx1"/>
+          </a:solidFill>
+          <a:latin typeface="+mn-lt"/>
+          <a:ea typeface="+mn-ea"/>
+          <a:cs typeface="+mn-cs"/>
+        </a:defRPr>
+      </a:lvl3pPr>
+      <a:lvl4pPr marL="1371600" algn="l" defTabSz="914400" rtl="0" eaLnBrk="1" latinLnBrk="0" hangingPunct="1">
+        <a:defRPr sz="1800" kern="1200">
+          <a:solidFill>
+            <a:schemeClr val="tx1"/>
+          </a:solidFill>
+          <a:latin typeface="+mn-lt"/>
+          <a:ea typeface="+mn-ea"/>
+          <a:cs typeface="+mn-cs"/>
+        </a:defRPr>
+      </a:lvl4pPr>
+      <a:lvl5pPr marL="1828800" algn="l" defTabSz="914400" rtl="0" eaLnBrk="1" latinLnBrk="0" hangingPunct="1">
+        <a:defRPr sz="1800" kern="1200">
+          <a:solidFill>
+            <a:schemeClr val="tx1"/>
+          </a:solidFill>
+          <a:latin typeface="+mn-lt"/>
+          <a:ea typeface="+mn-ea"/>
+          <a:cs typeface="+mn-cs"/>
+        </a:defRPr>
+      </a:lvl5pPr>
+      <a:lvl6pPr marL="2286000" algn="l" defTabSz="914400" rtl="0" eaLnBrk="1" latinLnBrk="0" hangingPunct="1">
+        <a:defRPr sz="1800" kern="1200">
+          <a:solidFill>
+            <a:schemeClr val="tx1"/>
+          </a:solidFill>
+          <a:latin typeface="+mn-lt"/>
+          <a:ea typeface="+mn-ea"/>
+          <a:cs typeface="+mn-cs"/>
+        </a:defRPr>
+      </a:lvl6pPr>
+      <a:lvl7pPr marL="2743200" algn="l" defTabSz="914400" rtl="0" eaLnBrk="1" latinLnBrk="0" hangingPunct="1">
+        <a:defRPr sz="1800" kern="1200">
+          <a:solidFill>
+            <a:schemeClr val="tx1"/>
+          </a:solidFill>
+          <a:latin typeface="+mn-lt"/>
+          <a:ea typeface="+mn-ea"/>
+          <a:cs typeface="+mn-cs"/>
+        </a:defRPr>
+      </a:lvl7pPr>
+      <a:lvl8pPr marL="3200400" algn="l" defTabSz="914400" rtl="0" eaLnBrk="1" latinLnBrk="0" hangingPunct="1">
+        <a:defRPr sz="1800" kern="1200">
+          <a:solidFill>
+            <a:schemeClr val="tx1"/>
+          </a:solidFill>
+          <a:latin typeface="+mn-lt"/>
+          <a:ea typeface="+mn-ea"/>
+          <a:cs typeface="+mn-cs"/>
+        </a:defRPr>
+      </a:lvl8pPr>
+      <a:lvl9pPr marL="3657600" algn="l" defTabSz="914400" rtl="0" eaLnBrk="1" latinLnBrk="0" hangingPunct="1">
+        <a:defRPr sz="1800" kern="1200">
+          <a:solidFill>
+            <a:schemeClr val="tx1"/>
+          </a:solidFill>
+          <a:latin typeface="+mn-lt"/>
+          <a:ea typeface="+mn-ea"/>
+          <a:cs typeface="+mn-cs"/>
+        </a:defRPr>
+      </a:lvl9pPr>
+    </p:otherStyle>
+  </p:txStyles>
+</p:sldMaster>
+</file>
+
+<file path=ppt/slides/slide1.xml><?xml version="1.0" encoding="utf-8"?>
+<p:sld xmlns:a="http://schemas.openxmlformats.org/drawingml/2006/main" xmlns:r="http://schemas.openxmlformats.org/officeDocument/2006/relationships" xmlns:p="http://schemas.openxmlformats.org/presentationml/2006/main">
   <p:cSld>
     <p:spTree>
       <p:nvGrpSpPr>
@@ -1388,137 +2155,270 @@
       </p:grpSpPr>
       <p:sp>
         <p:nvSpPr>
-          <p:cNvPr id="0" name="CustomShape 1"/>
+          <p:cNvPr id="40" name="CustomShape 1"/>
           <p:cNvSpPr/>
           <p:nvPr/>
         </p:nvSpPr>
         <p:spPr>
           <a:xfrm>
-            <a:off x="0" y="0"/>
-            <a:ext cx="10076400" cy="941400"/>
-          </a:xfrm>
-          <a:prstGeom prst="rect">
-            <a:avLst/>
-          </a:prstGeom>
-          <a:gradFill rotWithShape="0">
-            <a:gsLst>
-              <a:gs pos="0">
-                <a:srgbClr val="dff2fc"/>
-              </a:gs>
-              <a:gs pos="100000">
-                <a:srgbClr val="009bdd"/>
-              </a:gs>
-            </a:gsLst>
-            <a:lin ang="10800000"/>
-          </a:gradFill>
+            <a:off x="504000" y="285120"/>
+            <a:ext cx="9071280" cy="669600"/>
+          </a:xfrm>
+          <a:prstGeom prst="rect">
+            <a:avLst/>
+          </a:prstGeom>
+          <a:noFill/>
           <a:ln>
             <a:noFill/>
           </a:ln>
         </p:spPr>
         <p:style>
-          <a:lnRef idx="0"/>
-          <a:fillRef idx="0"/>
-          <a:effectRef idx="0"/>
+          <a:lnRef idx="0">
+            <a:scrgbClr r="0" g="0" b="0"/>
+          </a:lnRef>
+          <a:fillRef idx="0">
+            <a:scrgbClr r="0" g="0" b="0"/>
+          </a:fillRef>
+          <a:effectRef idx="0">
+            <a:scrgbClr r="0" g="0" b="0"/>
+          </a:effectRef>
           <a:fontRef idx="minor"/>
         </p:style>
-      </p:sp>
-      <p:sp>
-        <p:nvSpPr>
-          <p:cNvPr id="1" name="CustomShape 2"/>
+        <p:txBody>
+          <a:bodyPr lIns="0" tIns="0" rIns="0" bIns="0" anchor="ctr">
+            <a:spAutoFit/>
+          </a:bodyPr>
+          <a:lstStyle/>
+          <a:p>
+            <a:pPr algn="ctr">
+              <a:lnSpc>
+                <a:spcPct val="100000"/>
+              </a:lnSpc>
+            </a:pPr>
+            <a:r>
+              <a:rPr lang="en-US" sz="4400" b="0" strike="noStrike" spc="-1">
+                <a:solidFill>
+                  <a:srgbClr val="FFFFFF"/>
+                </a:solidFill>
+                <a:latin typeface="Arial"/>
+              </a:rPr>
+              <a:t>Monday’s To-Do List</a:t>
+            </a:r>
+            <a:endParaRPr lang="en-US" sz="4400" b="0" strike="noStrike" spc="-1">
+              <a:latin typeface="Arial"/>
+            </a:endParaRPr>
+          </a:p>
+        </p:txBody>
+      </p:sp>
+      <p:sp>
+        <p:nvSpPr>
+          <p:cNvPr id="41" name="CustomShape 2"/>
           <p:cNvSpPr/>
           <p:nvPr/>
         </p:nvSpPr>
         <p:spPr>
           <a:xfrm>
-            <a:off x="0" y="6620400"/>
-            <a:ext cx="10076400" cy="941400"/>
-          </a:xfrm>
-          <a:prstGeom prst="rect">
-            <a:avLst/>
-          </a:prstGeom>
-          <a:gradFill rotWithShape="0">
-            <a:gsLst>
-              <a:gs pos="0">
-                <a:srgbClr val="dff2fc"/>
-              </a:gs>
-              <a:gs pos="100000">
-                <a:srgbClr val="009bdd"/>
-              </a:gs>
-            </a:gsLst>
-            <a:lin ang="10800000"/>
-          </a:gradFill>
+            <a:off x="504000" y="1769040"/>
+            <a:ext cx="9071280" cy="4384080"/>
+          </a:xfrm>
+          <a:prstGeom prst="rect">
+            <a:avLst/>
+          </a:prstGeom>
+          <a:noFill/>
           <a:ln>
             <a:noFill/>
           </a:ln>
         </p:spPr>
         <p:style>
-          <a:lnRef idx="0"/>
-          <a:fillRef idx="0"/>
-          <a:effectRef idx="0"/>
+          <a:lnRef idx="0">
+            <a:scrgbClr r="0" g="0" b="0"/>
+          </a:lnRef>
+          <a:fillRef idx="0">
+            <a:scrgbClr r="0" g="0" b="0"/>
+          </a:fillRef>
+          <a:effectRef idx="0">
+            <a:scrgbClr r="0" g="0" b="0"/>
+          </a:effectRef>
           <a:fontRef idx="minor"/>
         </p:style>
-      </p:sp>
-      <p:sp>
-        <p:nvSpPr>
-          <p:cNvPr id="2" name="PlaceHolder 3"/>
-          <p:cNvSpPr>
-            <a:spLocks noGrp="1"/>
-          </p:cNvSpPr>
-          <p:nvPr>
-            <p:ph type="title"/>
-          </p:nvPr>
-        </p:nvSpPr>
-        <p:spPr>
-          <a:xfrm>
-            <a:off x="504000" y="-11160"/>
-            <a:ext cx="9071280" cy="1262160"/>
-          </a:xfrm>
-          <a:prstGeom prst="rect">
-            <a:avLst/>
-          </a:prstGeom>
-        </p:spPr>
-        <p:txBody>
-          <a:bodyPr lIns="0" rIns="0" tIns="0" bIns="0" anchor="ctr">
-            <a:spAutoFit/>
-          </a:bodyPr>
-          <a:p>
+        <p:txBody>
+          <a:bodyPr lIns="0" tIns="0" rIns="0" bIns="0">
+            <a:noAutofit/>
+          </a:bodyPr>
+          <a:lstStyle/>
+          <a:p>
+            <a:pPr marL="432000" indent="-323640">
+              <a:lnSpc>
+                <a:spcPct val="100000"/>
+              </a:lnSpc>
+              <a:spcAft>
+                <a:spcPts val="1417"/>
+              </a:spcAft>
+              <a:buClr>
+                <a:srgbClr val="000000"/>
+              </a:buClr>
+              <a:buSzPct val="45000"/>
+              <a:buFont typeface="Wingdings" charset="2"/>
+              <a:buChar char=""/>
+            </a:pPr>
             <a:r>
-              <a:rPr b="0" lang="en-US" sz="1800" spc="-1" strike="noStrike">
+              <a:rPr lang="en-US" sz="3200" b="0" strike="noStrike" spc="-1">
+                <a:solidFill>
+                  <a:srgbClr val="0066CC"/>
+                </a:solidFill>
                 <a:latin typeface="Arial"/>
               </a:rPr>
-              <a:t>Click to edit the title text format</a:t>
+              <a:t>Implement player’s death</a:t>
             </a:r>
-            <a:endParaRPr b="0" lang="en-US" sz="1800" spc="-1" strike="noStrike">
-              <a:latin typeface="Arial"/>
-            </a:endParaRPr>
-          </a:p>
-        </p:txBody>
-      </p:sp>
-      <p:sp>
-        <p:nvSpPr>
-          <p:cNvPr id="3" name="PlaceHolder 4"/>
-          <p:cNvSpPr>
-            <a:spLocks noGrp="1"/>
-          </p:cNvSpPr>
-          <p:nvPr>
-            <p:ph type="body"/>
-          </p:nvPr>
-        </p:nvSpPr>
-        <p:spPr>
-          <a:xfrm>
-            <a:off x="504000" y="1769040"/>
-            <a:ext cx="9071280" cy="4384080"/>
-          </a:xfrm>
-          <a:prstGeom prst="rect">
-            <a:avLst/>
-          </a:prstGeom>
-        </p:spPr>
-        <p:txBody>
-          <a:bodyPr lIns="0" rIns="0" tIns="0" bIns="0">
-            <a:noAutofit/>
-          </a:bodyPr>
-          <a:p>
-            <a:pPr marL="432000" indent="-324000">
+            <a:endParaRPr lang="en-US" sz="3200" b="0" strike="noStrike" spc="-1">
+              <a:latin typeface="Arial"/>
+            </a:endParaRPr>
+          </a:p>
+          <a:p>
+            <a:pPr marL="432000" indent="-323640">
+              <a:lnSpc>
+                <a:spcPct val="100000"/>
+              </a:lnSpc>
+              <a:spcAft>
+                <a:spcPts val="1417"/>
+              </a:spcAft>
+              <a:buClr>
+                <a:srgbClr val="000000"/>
+              </a:buClr>
+              <a:buSzPct val="45000"/>
+              <a:buFont typeface="Wingdings" charset="2"/>
+              <a:buChar char=""/>
+            </a:pPr>
+            <a:r>
+              <a:rPr lang="en-US" sz="3200" b="0" strike="noStrike" spc="-1">
+                <a:solidFill>
+                  <a:srgbClr val="0066CC"/>
+                </a:solidFill>
+                <a:latin typeface="Arial"/>
+              </a:rPr>
+              <a:t>Implement player spell attack</a:t>
+            </a:r>
+            <a:endParaRPr lang="en-US" sz="3200" b="0" strike="noStrike" spc="-1">
+              <a:latin typeface="Arial"/>
+            </a:endParaRPr>
+          </a:p>
+          <a:p>
+            <a:pPr marL="432000" indent="-323640">
+              <a:lnSpc>
+                <a:spcPct val="100000"/>
+              </a:lnSpc>
+              <a:spcAft>
+                <a:spcPts val="1417"/>
+              </a:spcAft>
+              <a:buClr>
+                <a:srgbClr val="000000"/>
+              </a:buClr>
+              <a:buSzPct val="45000"/>
+              <a:buFont typeface="Wingdings" charset="2"/>
+              <a:buChar char=""/>
+            </a:pPr>
+            <a:r>
+              <a:rPr lang="en-US" sz="3200" b="0" strike="noStrike" spc="-1">
+                <a:solidFill>
+                  <a:srgbClr val="0066CC"/>
+                </a:solidFill>
+                <a:latin typeface="Arial"/>
+              </a:rPr>
+              <a:t>Implement enemy receives damage</a:t>
+            </a:r>
+            <a:endParaRPr lang="en-US" sz="3200" b="0" strike="noStrike" spc="-1">
+              <a:latin typeface="Arial"/>
+            </a:endParaRPr>
+          </a:p>
+          <a:p>
+            <a:pPr marL="432000" indent="-323640">
+              <a:lnSpc>
+                <a:spcPct val="100000"/>
+              </a:lnSpc>
+              <a:spcAft>
+                <a:spcPts val="1417"/>
+              </a:spcAft>
+              <a:buClr>
+                <a:srgbClr val="000000"/>
+              </a:buClr>
+              <a:buSzPct val="45000"/>
+              <a:buFont typeface="Wingdings" charset="2"/>
+              <a:buChar char=""/>
+            </a:pPr>
+            <a:r>
+              <a:rPr lang="en-US" sz="3200" b="0" strike="noStrike" spc="-1">
+                <a:solidFill>
+                  <a:srgbClr val="0066CC"/>
+                </a:solidFill>
+                <a:latin typeface="Arial"/>
+              </a:rPr>
+              <a:t>Implement Game Over simple menu</a:t>
+            </a:r>
+            <a:endParaRPr lang="en-US" sz="3200" b="0" strike="noStrike" spc="-1">
+              <a:latin typeface="Arial"/>
+            </a:endParaRPr>
+          </a:p>
+          <a:p>
+            <a:pPr marL="432000" indent="-323640">
+              <a:lnSpc>
+                <a:spcPct val="100000"/>
+              </a:lnSpc>
+              <a:spcAft>
+                <a:spcPts val="1417"/>
+              </a:spcAft>
+              <a:buClr>
+                <a:srgbClr val="000000"/>
+              </a:buClr>
+              <a:buSzPct val="45000"/>
+              <a:buFont typeface="Wingdings" charset="2"/>
+              <a:buChar char=""/>
+            </a:pPr>
+            <a:r>
+              <a:rPr lang="en-US" sz="3200" b="0" strike="noStrike" spc="-1">
+                <a:solidFill>
+                  <a:srgbClr val="0066CC"/>
+                </a:solidFill>
+                <a:latin typeface="Arial"/>
+              </a:rPr>
+              <a:t>Implement simple main menu</a:t>
+            </a:r>
+            <a:endParaRPr lang="en-US" sz="3200" b="0" strike="noStrike" spc="-1">
+              <a:latin typeface="Arial"/>
+            </a:endParaRPr>
+          </a:p>
+          <a:p>
+            <a:pPr marL="432000" indent="-323640">
+              <a:lnSpc>
+                <a:spcPct val="100000"/>
+              </a:lnSpc>
+              <a:spcAft>
+                <a:spcPts val="1417"/>
+              </a:spcAft>
+              <a:buClr>
+                <a:srgbClr val="000000"/>
+              </a:buClr>
+              <a:buSzPct val="45000"/>
+              <a:buFont typeface="Wingdings" charset="2"/>
+              <a:buChar char=""/>
+            </a:pPr>
+            <a:r>
+              <a:rPr lang="en-US" sz="3200" b="0" strike="noStrike" spc="-1">
+                <a:solidFill>
+                  <a:srgbClr val="0066CC"/>
+                </a:solidFill>
+                <a:latin typeface="Arial"/>
+              </a:rPr>
+              <a:t>Stretch Goals:</a:t>
+            </a:r>
+            <a:endParaRPr lang="en-US" sz="3200" b="0" strike="noStrike" spc="-1">
+              <a:latin typeface="Arial"/>
+            </a:endParaRPr>
+          </a:p>
+          <a:p>
+            <a:pPr marL="432000" indent="-323640">
+              <a:lnSpc>
+                <a:spcPct val="100000"/>
+              </a:lnSpc>
               <a:spcBef>
                 <a:spcPts val="1417"/>
               </a:spcBef>
@@ -1530,144 +2430,15 @@
               <a:buChar char=""/>
             </a:pPr>
             <a:r>
-              <a:rPr b="0" lang="en-US" sz="1800" spc="-1" strike="noStrike">
+              <a:rPr lang="en-US" sz="3200" b="0" strike="noStrike" spc="-1">
+                <a:solidFill>
+                  <a:srgbClr val="0066CC"/>
+                </a:solidFill>
                 <a:latin typeface="Arial"/>
               </a:rPr>
-              <a:t>Click to edit the outline text format</a:t>
+              <a:t>Implement pause menu</a:t>
             </a:r>
-            <a:endParaRPr b="0" lang="en-US" sz="1800" spc="-1" strike="noStrike">
-              <a:latin typeface="Arial"/>
-            </a:endParaRPr>
-          </a:p>
-          <a:p>
-            <a:pPr lvl="1" marL="864000" indent="-324000">
-              <a:spcBef>
-                <a:spcPts val="1134"/>
-              </a:spcBef>
-              <a:buClr>
-                <a:srgbClr val="000000"/>
-              </a:buClr>
-              <a:buSzPct val="75000"/>
-              <a:buFont typeface="Symbol" charset="2"/>
-              <a:buChar char=""/>
-            </a:pPr>
-            <a:r>
-              <a:rPr b="0" lang="en-US" sz="1800" spc="-1" strike="noStrike">
-                <a:latin typeface="Arial"/>
-              </a:rPr>
-              <a:t>Second Outline Level</a:t>
-            </a:r>
-            <a:endParaRPr b="0" lang="en-US" sz="1800" spc="-1" strike="noStrike">
-              <a:latin typeface="Arial"/>
-            </a:endParaRPr>
-          </a:p>
-          <a:p>
-            <a:pPr lvl="2" marL="1296000" indent="-288000">
-              <a:spcBef>
-                <a:spcPts val="850"/>
-              </a:spcBef>
-              <a:buClr>
-                <a:srgbClr val="000000"/>
-              </a:buClr>
-              <a:buSzPct val="45000"/>
-              <a:buFont typeface="Wingdings" charset="2"/>
-              <a:buChar char=""/>
-            </a:pPr>
-            <a:r>
-              <a:rPr b="0" lang="en-US" sz="1800" spc="-1" strike="noStrike">
-                <a:latin typeface="Arial"/>
-              </a:rPr>
-              <a:t>Third Outline Level</a:t>
-            </a:r>
-            <a:endParaRPr b="0" lang="en-US" sz="1800" spc="-1" strike="noStrike">
-              <a:latin typeface="Arial"/>
-            </a:endParaRPr>
-          </a:p>
-          <a:p>
-            <a:pPr lvl="3" marL="1728000" indent="-216000">
-              <a:spcBef>
-                <a:spcPts val="567"/>
-              </a:spcBef>
-              <a:buClr>
-                <a:srgbClr val="000000"/>
-              </a:buClr>
-              <a:buSzPct val="75000"/>
-              <a:buFont typeface="Symbol" charset="2"/>
-              <a:buChar char=""/>
-            </a:pPr>
-            <a:r>
-              <a:rPr b="0" lang="en-US" sz="1800" spc="-1" strike="noStrike">
-                <a:latin typeface="Arial"/>
-              </a:rPr>
-              <a:t>Fourth Outline Level</a:t>
-            </a:r>
-            <a:endParaRPr b="0" lang="en-US" sz="1800" spc="-1" strike="noStrike">
-              <a:latin typeface="Arial"/>
-            </a:endParaRPr>
-          </a:p>
-          <a:p>
-            <a:pPr lvl="4" marL="2160000" indent="-216000">
-              <a:spcBef>
-                <a:spcPts val="283"/>
-              </a:spcBef>
-              <a:buClr>
-                <a:srgbClr val="000000"/>
-              </a:buClr>
-              <a:buSzPct val="45000"/>
-              <a:buFont typeface="Wingdings" charset="2"/>
-              <a:buChar char=""/>
-            </a:pPr>
-            <a:r>
-              <a:rPr b="0" lang="en-US" sz="1800" spc="-1" strike="noStrike">
-                <a:latin typeface="Arial"/>
-              </a:rPr>
-              <a:t>Fifth Outline Level</a:t>
-            </a:r>
-            <a:endParaRPr b="0" lang="en-US" sz="1800" spc="-1" strike="noStrike">
-              <a:latin typeface="Arial"/>
-            </a:endParaRPr>
-          </a:p>
-          <a:p>
-            <a:pPr lvl="5" marL="2592000" indent="-216000">
-              <a:spcBef>
-                <a:spcPts val="283"/>
-              </a:spcBef>
-              <a:buClr>
-                <a:srgbClr val="000000"/>
-              </a:buClr>
-              <a:buSzPct val="45000"/>
-              <a:buFont typeface="Wingdings" charset="2"/>
-              <a:buChar char=""/>
-            </a:pPr>
-            <a:r>
-              <a:rPr b="0" lang="en-US" sz="1800" spc="-1" strike="noStrike">
-                <a:latin typeface="Arial"/>
-              </a:rPr>
-              <a:t>Sixth Outline Level</a:t>
-            </a:r>
-            <a:endParaRPr b="0" lang="en-US" sz="1800" spc="-1" strike="noStrike">
-              <a:latin typeface="Arial"/>
-            </a:endParaRPr>
-          </a:p>
-          <a:p>
-            <a:pPr lvl="6" marL="3024000" indent="-216000">
-              <a:spcBef>
-                <a:spcPts val="283"/>
-              </a:spcBef>
-              <a:buClr>
-                <a:srgbClr val="000000"/>
-              </a:buClr>
-              <a:buSzPct val="45000"/>
-              <a:buFont typeface="Wingdings" charset="2"/>
-              <a:buChar char=""/>
-            </a:pPr>
-            <a:r>
-              <a:rPr b="0" lang="en-US" sz="1800" spc="-1" strike="noStrike">
-                <a:latin typeface="Arial"/>
-              </a:rPr>
-              <a:t>Seventh Outline Level</a:t>
-            </a:r>
-            <a:endParaRPr b="0" lang="en-US" sz="1800" spc="-1" strike="noStrike">
+            <a:endParaRPr lang="en-US" sz="3200" b="0" strike="noStrike" spc="-1">
               <a:latin typeface="Arial"/>
             </a:endParaRPr>
           </a:p>
@@ -1675,26 +2446,14 @@
       </p:sp>
     </p:spTree>
   </p:cSld>
-  <p:clrMap bg1="lt1" bg2="lt2" tx1="dk1" tx2="dk2" accent1="accent1" accent2="accent2" accent3="accent3" accent4="accent4" accent5="accent5" accent6="accent6" hlink="hlink" folHlink="folHlink"/>
-  <p:sldLayoutIdLst>
-    <p:sldLayoutId id="2147483649" r:id="rId2"/>
-    <p:sldLayoutId id="2147483650" r:id="rId3"/>
-    <p:sldLayoutId id="2147483651" r:id="rId4"/>
-    <p:sldLayoutId id="2147483652" r:id="rId5"/>
-    <p:sldLayoutId id="2147483653" r:id="rId6"/>
-    <p:sldLayoutId id="2147483654" r:id="rId7"/>
-    <p:sldLayoutId id="2147483655" r:id="rId8"/>
-    <p:sldLayoutId id="2147483656" r:id="rId9"/>
-    <p:sldLayoutId id="2147483657" r:id="rId10"/>
-    <p:sldLayoutId id="2147483658" r:id="rId11"/>
-    <p:sldLayoutId id="2147483659" r:id="rId12"/>
-    <p:sldLayoutId id="2147483660" r:id="rId13"/>
-  </p:sldLayoutIdLst>
-</p:sldMaster>
+  <p:clrMapOvr>
+    <a:masterClrMapping/>
+  </p:clrMapOvr>
+</p:sld>
 </file>
 
-<file path=ppt/slides/slide1.xml><?xml version="1.0" encoding="utf-8"?>
-<p:sld xmlns:a="http://schemas.openxmlformats.org/drawingml/2006/main" xmlns:p="http://schemas.openxmlformats.org/presentationml/2006/main" xmlns:r="http://schemas.openxmlformats.org/officeDocument/2006/relationships" xmlns:p14="http://schemas.microsoft.com/office/powerpoint/2010/main" xmlns:p15="http://schemas.microsoft.com/office/powerpoint/2012/main" xmlns:mc="http://schemas.openxmlformats.org/markup-compatibility/2006">
+<file path=ppt/slides/slide2.xml><?xml version="1.0" encoding="utf-8"?>
+<p:sld xmlns:a="http://schemas.openxmlformats.org/drawingml/2006/main" xmlns:r="http://schemas.openxmlformats.org/officeDocument/2006/relationships" xmlns:p="http://schemas.openxmlformats.org/presentationml/2006/main">
   <p:cSld>
     <p:spTree>
       <p:nvGrpSpPr>
@@ -1712,7 +2471,7 @@
       </p:grpSpPr>
       <p:sp>
         <p:nvSpPr>
-          <p:cNvPr id="40" name="CustomShape 1"/>
+          <p:cNvPr id="42" name="CustomShape 1"/>
           <p:cNvSpPr/>
           <p:nvPr/>
         </p:nvSpPr>
@@ -1730,15 +2489,22 @@
           </a:ln>
         </p:spPr>
         <p:style>
-          <a:lnRef idx="0"/>
-          <a:fillRef idx="0"/>
-          <a:effectRef idx="0"/>
+          <a:lnRef idx="0">
+            <a:scrgbClr r="0" g="0" b="0"/>
+          </a:lnRef>
+          <a:fillRef idx="0">
+            <a:scrgbClr r="0" g="0" b="0"/>
+          </a:fillRef>
+          <a:effectRef idx="0">
+            <a:scrgbClr r="0" g="0" b="0"/>
+          </a:effectRef>
           <a:fontRef idx="minor"/>
         </p:style>
         <p:txBody>
-          <a:bodyPr lIns="0" rIns="0" tIns="0" bIns="0" anchor="ctr">
+          <a:bodyPr lIns="0" tIns="0" rIns="0" bIns="0" anchor="ctr">
             <a:spAutoFit/>
           </a:bodyPr>
+          <a:lstStyle/>
           <a:p>
             <a:pPr algn="ctr">
               <a:lnSpc>
@@ -1746,29 +2512,29 @@
               </a:lnSpc>
             </a:pPr>
             <a:r>
-              <a:rPr b="0" lang="en-US" sz="4400" spc="-1" strike="noStrike">
+              <a:rPr lang="en-US" sz="4400" b="0" strike="noStrike" spc="-1">
                 <a:solidFill>
-                  <a:srgbClr val="ffffff"/>
+                  <a:srgbClr val="FFFFFF"/>
                 </a:solidFill>
                 <a:latin typeface="Arial"/>
               </a:rPr>
-              <a:t>Monday’s To-Do List</a:t>
+              <a:t>Tuesday To-Do List</a:t>
             </a:r>
-            <a:endParaRPr b="0" lang="en-US" sz="4400" spc="-1" strike="noStrike">
-              <a:latin typeface="Arial"/>
-            </a:endParaRPr>
-          </a:p>
-        </p:txBody>
-      </p:sp>
-      <p:sp>
-        <p:nvSpPr>
-          <p:cNvPr id="41" name="CustomShape 2"/>
+            <a:endParaRPr lang="en-US" sz="4400" b="0" strike="noStrike" spc="-1">
+              <a:latin typeface="Arial"/>
+            </a:endParaRPr>
+          </a:p>
+        </p:txBody>
+      </p:sp>
+      <p:sp>
+        <p:nvSpPr>
+          <p:cNvPr id="43" name="CustomShape 2"/>
           <p:cNvSpPr/>
           <p:nvPr/>
         </p:nvSpPr>
         <p:spPr>
           <a:xfrm>
-            <a:off x="504000" y="1769040"/>
+            <a:off x="504000" y="1280160"/>
             <a:ext cx="9071280" cy="4384080"/>
           </a:xfrm>
           <a:prstGeom prst="rect">
@@ -1780,15 +2546,22 @@
           </a:ln>
         </p:spPr>
         <p:style>
-          <a:lnRef idx="0"/>
-          <a:fillRef idx="0"/>
-          <a:effectRef idx="0"/>
+          <a:lnRef idx="0">
+            <a:scrgbClr r="0" g="0" b="0"/>
+          </a:lnRef>
+          <a:fillRef idx="0">
+            <a:scrgbClr r="0" g="0" b="0"/>
+          </a:fillRef>
+          <a:effectRef idx="0">
+            <a:scrgbClr r="0" g="0" b="0"/>
+          </a:effectRef>
           <a:fontRef idx="minor"/>
         </p:style>
         <p:txBody>
-          <a:bodyPr lIns="0" rIns="0" tIns="0" bIns="0">
+          <a:bodyPr lIns="0" tIns="0" rIns="0" bIns="0">
             <a:noAutofit/>
           </a:bodyPr>
+          <a:lstStyle/>
           <a:p>
             <a:pPr marL="432000" indent="-323640">
               <a:lnSpc>
@@ -1805,15 +2578,15 @@
               <a:buChar char=""/>
             </a:pPr>
             <a:r>
-              <a:rPr b="0" lang="en-US" sz="3200" spc="-1" strike="noStrike">
+              <a:rPr lang="en-US" sz="3200" b="0" strike="noStrike" spc="-1">
                 <a:solidFill>
-                  <a:srgbClr val="0066cc"/>
+                  <a:srgbClr val="0066CC"/>
                 </a:solidFill>
                 <a:latin typeface="Arial"/>
               </a:rPr>
-              <a:t>Implement player’s death</a:t>
+              <a:t>Implement spell attack cooldown (to add some risk&amp;reward)</a:t>
             </a:r>
-            <a:endParaRPr b="0" lang="en-US" sz="3200" spc="-1" strike="noStrike">
+            <a:endParaRPr lang="en-US" sz="3200" b="0" strike="noStrike" spc="-1">
               <a:latin typeface="Arial"/>
             </a:endParaRPr>
           </a:p>
@@ -1833,15 +2606,15 @@
               <a:buChar char=""/>
             </a:pPr>
             <a:r>
-              <a:rPr b="0" lang="en-US" sz="3200" spc="-1" strike="noStrike">
+              <a:rPr lang="en-US" sz="3200" b="0" strike="noStrike" spc="-1">
                 <a:solidFill>
-                  <a:srgbClr val="0066cc"/>
+                  <a:srgbClr val="0066CC"/>
                 </a:solidFill>
                 <a:latin typeface="Arial"/>
               </a:rPr>
-              <a:t>Implement player spell attack</a:t>
+              <a:t>Implement pause menu</a:t>
             </a:r>
-            <a:endParaRPr b="0" lang="en-US" sz="3200" spc="-1" strike="noStrike">
+            <a:endParaRPr lang="en-US" sz="3200" b="0" strike="noStrike" spc="-1">
               <a:latin typeface="Arial"/>
             </a:endParaRPr>
           </a:p>
@@ -1861,15 +2634,15 @@
               <a:buChar char=""/>
             </a:pPr>
             <a:r>
-              <a:rPr b="0" lang="en-US" sz="3200" spc="-1" strike="noStrike">
+              <a:rPr lang="en-US" sz="3200" b="0" strike="noStrike" spc="-1">
                 <a:solidFill>
-                  <a:srgbClr val="0066cc"/>
+                  <a:srgbClr val="0066CC"/>
                 </a:solidFill>
                 <a:latin typeface="Arial"/>
               </a:rPr>
-              <a:t>Implement enemy receives damage</a:t>
+              <a:t>Add health pickup item</a:t>
             </a:r>
-            <a:endParaRPr b="0" lang="en-US" sz="3200" spc="-1" strike="noStrike">
+            <a:endParaRPr lang="en-US" sz="3200" b="0" strike="noStrike" spc="-1">
               <a:latin typeface="Arial"/>
             </a:endParaRPr>
           </a:p>
@@ -1889,15 +2662,15 @@
               <a:buChar char=""/>
             </a:pPr>
             <a:r>
-              <a:rPr b="0" lang="en-US" sz="3200" spc="-1" strike="noStrike">
+              <a:rPr lang="en-US" sz="3200" b="0" strike="noStrike" spc="-1">
                 <a:solidFill>
-                  <a:srgbClr val="0066cc"/>
+                  <a:srgbClr val="0066CC"/>
                 </a:solidFill>
                 <a:latin typeface="Arial"/>
               </a:rPr>
-              <a:t>Implement Game Over simple menu</a:t>
+              <a:t>Do some level design</a:t>
             </a:r>
-            <a:endParaRPr b="0" lang="en-US" sz="3200" spc="-1" strike="noStrike">
+            <a:endParaRPr lang="en-US" sz="3200" b="0" strike="noStrike" spc="-1">
               <a:latin typeface="Arial"/>
             </a:endParaRPr>
           </a:p>
@@ -1917,15 +2690,15 @@
               <a:buChar char=""/>
             </a:pPr>
             <a:r>
-              <a:rPr b="0" lang="en-US" sz="3200" spc="-1" strike="noStrike">
+              <a:rPr lang="en-US" sz="3200" b="0" strike="noStrike" spc="-1">
                 <a:solidFill>
-                  <a:srgbClr val="0066cc"/>
+                  <a:srgbClr val="0066CC"/>
                 </a:solidFill>
                 <a:latin typeface="Arial"/>
               </a:rPr>
-              <a:t>Implement simple main menu</a:t>
+              <a:t>Add more traps</a:t>
             </a:r>
-            <a:endParaRPr b="0" lang="en-US" sz="3200" spc="-1" strike="noStrike">
+            <a:endParaRPr lang="en-US" sz="3200" b="0" strike="noStrike" spc="-1">
               <a:latin typeface="Arial"/>
             </a:endParaRPr>
           </a:p>
@@ -1945,15 +2718,15 @@
               <a:buChar char=""/>
             </a:pPr>
             <a:r>
-              <a:rPr b="0" lang="en-US" sz="3200" spc="-1" strike="noStrike">
+              <a:rPr lang="en-US" sz="3200" b="0" strike="noStrike" spc="-1">
                 <a:solidFill>
-                  <a:srgbClr val="0066cc"/>
+                  <a:srgbClr val="0066CC"/>
                 </a:solidFill>
                 <a:latin typeface="Arial"/>
               </a:rPr>
               <a:t>Stretch Goals:</a:t>
             </a:r>
-            <a:endParaRPr b="0" lang="en-US" sz="3200" spc="-1" strike="noStrike">
+            <a:endParaRPr lang="en-US" sz="3200" b="0" strike="noStrike" spc="-1">
               <a:latin typeface="Arial"/>
             </a:endParaRPr>
           </a:p>
@@ -1962,9 +2735,9 @@
               <a:lnSpc>
                 <a:spcPct val="100000"/>
               </a:lnSpc>
-              <a:spcBef>
+              <a:spcAft>
                 <a:spcPts val="1417"/>
-              </a:spcBef>
+              </a:spcAft>
               <a:buClr>
                 <a:srgbClr val="000000"/>
               </a:buClr>
@@ -1973,15 +2746,15 @@
               <a:buChar char=""/>
             </a:pPr>
             <a:r>
-              <a:rPr b="0" lang="en-US" sz="3200" spc="-1" strike="noStrike">
+              <a:rPr lang="en-US" sz="3200" b="0" strike="noStrike" spc="-1">
                 <a:solidFill>
-                  <a:srgbClr val="0066cc"/>
+                  <a:srgbClr val="0066CC"/>
                 </a:solidFill>
                 <a:latin typeface="Arial"/>
               </a:rPr>
-              <a:t>Implement pause menu</a:t>
+              <a:t>Add score</a:t>
             </a:r>
-            <a:endParaRPr b="0" lang="en-US" sz="3200" spc="-1" strike="noStrike">
+            <a:endParaRPr lang="en-US" sz="3200" b="0" strike="noStrike" spc="-1">
               <a:latin typeface="Arial"/>
             </a:endParaRPr>
           </a:p>
@@ -1989,19 +2762,14 @@
       </p:sp>
     </p:spTree>
   </p:cSld>
-  <mc:AlternateContent>
-    <mc:Choice Requires="p14">
-      <p:transition spd="slow" p14:dur="2000"/>
-    </mc:Choice>
-    <mc:Fallback>
-      <p:transition spd="slow"/>
-    </mc:Fallback>
-  </mc:AlternateContent>
+  <p:clrMapOvr>
+    <a:masterClrMapping/>
+  </p:clrMapOvr>
 </p:sld>
 </file>
 
-<file path=ppt/slides/slide2.xml><?xml version="1.0" encoding="utf-8"?>
-<p:sld xmlns:a="http://schemas.openxmlformats.org/drawingml/2006/main" xmlns:p="http://schemas.openxmlformats.org/presentationml/2006/main" xmlns:r="http://schemas.openxmlformats.org/officeDocument/2006/relationships" xmlns:p14="http://schemas.microsoft.com/office/powerpoint/2010/main" xmlns:p15="http://schemas.microsoft.com/office/powerpoint/2012/main" xmlns:mc="http://schemas.openxmlformats.org/markup-compatibility/2006">
+<file path=ppt/slides/slide3.xml><?xml version="1.0" encoding="utf-8"?>
+<p:sld xmlns:a="http://schemas.openxmlformats.org/drawingml/2006/main" xmlns:r="http://schemas.openxmlformats.org/officeDocument/2006/relationships" xmlns:p="http://schemas.openxmlformats.org/presentationml/2006/main">
   <p:cSld>
     <p:spTree>
       <p:nvGrpSpPr>
@@ -2025,8 +2793,8 @@
         </p:nvSpPr>
         <p:spPr>
           <a:xfrm>
-            <a:off x="504000" y="285120"/>
-            <a:ext cx="9071280" cy="669600"/>
+            <a:off x="504000" y="281366"/>
+            <a:ext cx="9071280" cy="677108"/>
           </a:xfrm>
           <a:prstGeom prst="rect">
             <a:avLst/>
@@ -2037,15 +2805,22 @@
           </a:ln>
         </p:spPr>
         <p:style>
-          <a:lnRef idx="0"/>
-          <a:fillRef idx="0"/>
-          <a:effectRef idx="0"/>
+          <a:lnRef idx="0">
+            <a:scrgbClr r="0" g="0" b="0"/>
+          </a:lnRef>
+          <a:fillRef idx="0">
+            <a:scrgbClr r="0" g="0" b="0"/>
+          </a:fillRef>
+          <a:effectRef idx="0">
+            <a:scrgbClr r="0" g="0" b="0"/>
+          </a:effectRef>
           <a:fontRef idx="minor"/>
         </p:style>
         <p:txBody>
-          <a:bodyPr lIns="0" rIns="0" tIns="0" bIns="0" anchor="ctr">
+          <a:bodyPr lIns="0" tIns="0" rIns="0" bIns="0" anchor="ctr">
             <a:spAutoFit/>
           </a:bodyPr>
+          <a:lstStyle/>
           <a:p>
             <a:pPr algn="ctr">
               <a:lnSpc>
@@ -2053,15 +2828,15 @@
               </a:lnSpc>
             </a:pPr>
             <a:r>
-              <a:rPr b="0" lang="en-US" sz="4400" spc="-1" strike="noStrike">
+              <a:rPr lang="en-US" sz="4400" b="0" strike="noStrike" spc="-1" dirty="0">
                 <a:solidFill>
-                  <a:srgbClr val="ffffff"/>
+                  <a:srgbClr val="FFFFFF"/>
                 </a:solidFill>
                 <a:latin typeface="Arial"/>
               </a:rPr>
-              <a:t>Tuesday To-Do List</a:t>
+              <a:t>Wednesday To-Do List</a:t>
             </a:r>
-            <a:endParaRPr b="0" lang="en-US" sz="4400" spc="-1" strike="noStrike">
+            <a:endParaRPr lang="en-US" sz="4400" b="0" strike="noStrike" spc="-1" dirty="0">
               <a:latin typeface="Arial"/>
             </a:endParaRPr>
           </a:p>
@@ -2087,15 +2862,22 @@
           </a:ln>
         </p:spPr>
         <p:style>
-          <a:lnRef idx="0"/>
-          <a:fillRef idx="0"/>
-          <a:effectRef idx="0"/>
+          <a:lnRef idx="0">
+            <a:scrgbClr r="0" g="0" b="0"/>
+          </a:lnRef>
+          <a:fillRef idx="0">
+            <a:scrgbClr r="0" g="0" b="0"/>
+          </a:fillRef>
+          <a:effectRef idx="0">
+            <a:scrgbClr r="0" g="0" b="0"/>
+          </a:effectRef>
           <a:fontRef idx="minor"/>
         </p:style>
         <p:txBody>
-          <a:bodyPr lIns="0" rIns="0" tIns="0" bIns="0">
+          <a:bodyPr lIns="0" tIns="0" rIns="0" bIns="0">
             <a:noAutofit/>
           </a:bodyPr>
+          <a:lstStyle/>
           <a:p>
             <a:pPr marL="432000" indent="-323640">
               <a:lnSpc>
@@ -2112,15 +2894,33 @@
               <a:buChar char=""/>
             </a:pPr>
             <a:r>
-              <a:rPr b="0" lang="en-US" sz="3200" spc="-1" strike="noStrike">
+              <a:rPr lang="en-US" sz="3200" b="0" strike="noStrike" spc="-1" dirty="0">
                 <a:solidFill>
-                  <a:srgbClr val="0066cc"/>
+                  <a:srgbClr val="0066CC"/>
                 </a:solidFill>
                 <a:latin typeface="Arial"/>
               </a:rPr>
-              <a:t>Implement spell attack cooldown (to add some risk&amp;reward)</a:t>
+              <a:t>Implement spell attack cooldown (to add some </a:t>
             </a:r>
-            <a:endParaRPr b="0" lang="en-US" sz="3200" spc="-1" strike="noStrike">
+            <a:r>
+              <a:rPr lang="en-US" sz="3200" b="0" strike="noStrike" spc="-1" dirty="0" err="1">
+                <a:solidFill>
+                  <a:srgbClr val="0066CC"/>
+                </a:solidFill>
+                <a:latin typeface="Arial"/>
+              </a:rPr>
+              <a:t>risk&amp;reward</a:t>
+            </a:r>
+            <a:r>
+              <a:rPr lang="en-US" sz="3200" b="0" strike="noStrike" spc="-1" dirty="0">
+                <a:solidFill>
+                  <a:srgbClr val="0066CC"/>
+                </a:solidFill>
+                <a:latin typeface="Arial"/>
+              </a:rPr>
+              <a:t>)</a:t>
+            </a:r>
+            <a:endParaRPr lang="en-US" sz="3200" b="0" strike="noStrike" spc="-1" dirty="0">
               <a:latin typeface="Arial"/>
             </a:endParaRPr>
           </a:p>
@@ -2140,15 +2940,15 @@
               <a:buChar char=""/>
             </a:pPr>
             <a:r>
-              <a:rPr b="0" lang="en-US" sz="3200" spc="-1" strike="noStrike">
+              <a:rPr lang="en-US" sz="3200" b="0" strike="noStrike" spc="-1" dirty="0">
                 <a:solidFill>
-                  <a:srgbClr val="0066cc"/>
+                  <a:srgbClr val="0066CC"/>
                 </a:solidFill>
                 <a:latin typeface="Arial"/>
               </a:rPr>
               <a:t>Implement pause menu</a:t>
             </a:r>
-            <a:endParaRPr b="0" lang="en-US" sz="3200" spc="-1" strike="noStrike">
+            <a:endParaRPr lang="en-US" sz="3200" b="0" strike="noStrike" spc="-1" dirty="0">
               <a:latin typeface="Arial"/>
             </a:endParaRPr>
           </a:p>
@@ -2168,17 +2968,14 @@
               <a:buChar char=""/>
             </a:pPr>
             <a:r>
-              <a:rPr b="0" lang="en-US" sz="3200" spc="-1" strike="noStrike">
+              <a:rPr lang="en-US" sz="3200" b="0" strike="noStrike" spc="-1" dirty="0">
                 <a:solidFill>
-                  <a:srgbClr val="0066cc"/>
+                  <a:srgbClr val="0066CC"/>
                 </a:solidFill>
                 <a:latin typeface="Arial"/>
               </a:rPr>
-              <a:t>Add health pickup item</a:t>
+              <a:t>Add score</a:t>
             </a:r>
-            <a:endParaRPr b="0" lang="en-US" sz="3200" spc="-1" strike="noStrike">
-              <a:latin typeface="Arial"/>
-            </a:endParaRPr>
           </a:p>
           <a:p>
             <a:pPr marL="432000" indent="-323640">
@@ -2196,17 +2993,14 @@
               <a:buChar char=""/>
             </a:pPr>
             <a:r>
-              <a:rPr b="0" lang="en-US" sz="3200" spc="-1" strike="noStrike">
+              <a:rPr lang="en-US" sz="3200" spc="-1" dirty="0">
                 <a:solidFill>
-                  <a:srgbClr val="0066cc"/>
+                  <a:srgbClr val="0066CC"/>
                 </a:solidFill>
                 <a:latin typeface="Arial"/>
               </a:rPr>
-              <a:t>Do some level design</a:t>
+              <a:t>Add new enemy type</a:t>
             </a:r>
-            <a:endParaRPr b="0" lang="en-US" sz="3200" spc="-1" strike="noStrike">
-              <a:latin typeface="Arial"/>
-            </a:endParaRPr>
           </a:p>
           <a:p>
             <a:pPr marL="432000" indent="-323640">
@@ -2224,86 +3018,30 @@
               <a:buChar char=""/>
             </a:pPr>
             <a:r>
-              <a:rPr b="0" lang="en-US" sz="3200" spc="-1" strike="noStrike">
+              <a:rPr lang="en-US" sz="3200" b="0" strike="noStrike" spc="-1" dirty="0">
                 <a:solidFill>
-                  <a:srgbClr val="0066cc"/>
+                  <a:srgbClr val="0066CC"/>
                 </a:solidFill>
                 <a:latin typeface="Arial"/>
               </a:rPr>
-              <a:t>Add more traps</a:t>
+              <a:t>Add moving platform</a:t>
             </a:r>
-            <a:endParaRPr b="0" lang="en-US" sz="3200" spc="-1" strike="noStrike">
-              <a:latin typeface="Arial"/>
-            </a:endParaRPr>
-          </a:p>
-          <a:p>
-            <a:pPr marL="432000" indent="-323640">
-              <a:lnSpc>
-                <a:spcPct val="100000"/>
-              </a:lnSpc>
-              <a:spcAft>
-                <a:spcPts val="1417"/>
-              </a:spcAft>
-              <a:buClr>
-                <a:srgbClr val="000000"/>
-              </a:buClr>
-              <a:buSzPct val="45000"/>
-              <a:buFont typeface="Wingdings" charset="2"/>
-              <a:buChar char=""/>
-            </a:pPr>
-            <a:r>
-              <a:rPr b="0" lang="en-US" sz="3200" spc="-1" strike="noStrike">
-                <a:solidFill>
-                  <a:srgbClr val="0066cc"/>
-                </a:solidFill>
-                <a:latin typeface="Arial"/>
-              </a:rPr>
-              <a:t>Stretch Goals:</a:t>
-            </a:r>
-            <a:endParaRPr b="0" lang="en-US" sz="3200" spc="-1" strike="noStrike">
-              <a:latin typeface="Arial"/>
-            </a:endParaRPr>
-          </a:p>
-          <a:p>
-            <a:pPr marL="432000" indent="-323640">
-              <a:lnSpc>
-                <a:spcPct val="100000"/>
-              </a:lnSpc>
-              <a:spcAft>
-                <a:spcPts val="1417"/>
-              </a:spcAft>
-              <a:buClr>
-                <a:srgbClr val="000000"/>
-              </a:buClr>
-              <a:buSzPct val="45000"/>
-              <a:buFont typeface="Wingdings" charset="2"/>
-              <a:buChar char=""/>
-            </a:pPr>
-            <a:r>
-              <a:rPr b="0" lang="en-US" sz="3200" spc="-1" strike="noStrike">
-                <a:solidFill>
-                  <a:srgbClr val="0066cc"/>
-                </a:solidFill>
-                <a:latin typeface="Arial"/>
-              </a:rPr>
-              <a:t>Add score</a:t>
-            </a:r>
-            <a:endParaRPr b="0" lang="en-US" sz="3200" spc="-1" strike="noStrike">
+            <a:endParaRPr lang="en-US" sz="3200" b="0" strike="noStrike" spc="-1" dirty="0">
               <a:latin typeface="Arial"/>
             </a:endParaRPr>
           </a:p>
         </p:txBody>
       </p:sp>
     </p:spTree>
+    <p:extLst>
+      <p:ext uri="{BB962C8B-B14F-4D97-AF65-F5344CB8AC3E}">
+        <p14:creationId xmlns:p14="http://schemas.microsoft.com/office/powerpoint/2010/main" val="1326356087"/>
+      </p:ext>
+    </p:extLst>
   </p:cSld>
-  <mc:AlternateContent>
-    <mc:Choice Requires="p14">
-      <p:transition spd="slow" p14:dur="2000"/>
-    </mc:Choice>
-    <mc:Fallback>
-      <p:transition spd="slow"/>
-    </mc:Fallback>
-  </mc:AlternateContent>
+  <p:clrMapOvr>
+    <a:masterClrMapping/>
+  </p:clrMapOvr>
 </p:sld>
 </file>
 
@@ -2318,31 +3056,31 @@
         <a:sysClr val="window" lastClr="FFFFFF"/>
       </a:lt1>
       <a:dk2>
-        <a:srgbClr val="1f497d"/>
+        <a:srgbClr val="1F497D"/>
       </a:dk2>
       <a:lt2>
-        <a:srgbClr val="eeece1"/>
+        <a:srgbClr val="EEECE1"/>
       </a:lt2>
       <a:accent1>
-        <a:srgbClr val="4f81bd"/>
+        <a:srgbClr val="4F81BD"/>
       </a:accent1>
       <a:accent2>
-        <a:srgbClr val="c0504d"/>
+        <a:srgbClr val="C0504D"/>
       </a:accent2>
       <a:accent3>
-        <a:srgbClr val="9bbb59"/>
+        <a:srgbClr val="9BBB59"/>
       </a:accent3>
       <a:accent4>
-        <a:srgbClr val="8064a2"/>
+        <a:srgbClr val="8064A2"/>
       </a:accent4>
       <a:accent5>
-        <a:srgbClr val="4bacc6"/>
+        <a:srgbClr val="4BACC6"/>
       </a:accent5>
       <a:accent6>
-        <a:srgbClr val="f79646"/>
+        <a:srgbClr val="F79646"/>
       </a:accent6>
       <a:hlink>
-        <a:srgbClr val="0000ff"/>
+        <a:srgbClr val="0000FF"/>
       </a:hlink>
       <a:folHlink>
         <a:srgbClr val="800080"/>
@@ -2527,5 +3265,7 @@
       </a:bgFillStyleLst>
     </a:fmtScheme>
   </a:themeElements>
+  <a:objectDefaults/>
+  <a:extraClrSchemeLst/>
 </a:theme>
 </file>
--- a/To-Do List.pptx
+++ b/To-Do List.pptx
@@ -106,6 +106,11 @@
       </a:defRPr>
     </a:lvl9pPr>
   </p:defaultTextStyle>
+  <p:extLst>
+    <p:ext uri="{EFAFB233-063F-42B5-8137-9DF3F51BA10A}">
+      <p15:sldGuideLst xmlns:p15="http://schemas.microsoft.com/office/powerpoint/2012/main"/>
+    </p:ext>
+  </p:extLst>
 </p:presentation>
 </file>
 
@@ -2946,9 +2951,18 @@
                 </a:solidFill>
                 <a:latin typeface="Arial"/>
               </a:rPr>
-              <a:t>Implement pause menu</a:t>
+              <a:t>Implement </a:t>
             </a:r>
-            <a:endParaRPr lang="en-US" sz="3200" b="0" strike="noStrike" spc="-1" dirty="0">
+            <a:r>
+              <a:rPr lang="en-US" sz="3200" b="0" strike="noStrike" spc="-1">
+                <a:solidFill>
+                  <a:srgbClr val="0066CC"/>
+                </a:solidFill>
+                <a:latin typeface="Arial"/>
+              </a:rPr>
+              <a:t>pause menu</a:t>
+            </a:r>
+            <a:endParaRPr lang="en-US" sz="3200" spc="-1" dirty="0">
               <a:latin typeface="Arial"/>
             </a:endParaRPr>
           </a:p>
@@ -2968,30 +2982,14 @@
               <a:buChar char=""/>
             </a:pPr>
             <a:r>
-              <a:rPr lang="en-US" sz="3200" b="0" strike="noStrike" spc="-1" dirty="0">
+              <a:rPr lang="en-US" sz="3200" spc="-1">
                 <a:solidFill>
                   <a:srgbClr val="0066CC"/>
                 </a:solidFill>
                 <a:latin typeface="Arial"/>
               </a:rPr>
-              <a:t>Add score</a:t>
+              <a:t>Add </a:t>
             </a:r>
-          </a:p>
-          <a:p>
-            <a:pPr marL="432000" indent="-323640">
-              <a:lnSpc>
-                <a:spcPct val="100000"/>
-              </a:lnSpc>
-              <a:spcAft>
-                <a:spcPts val="1417"/>
-              </a:spcAft>
-              <a:buClr>
-                <a:srgbClr val="000000"/>
-              </a:buClr>
-              <a:buSzPct val="45000"/>
-              <a:buFont typeface="Wingdings" charset="2"/>
-              <a:buChar char=""/>
-            </a:pPr>
             <a:r>
               <a:rPr lang="en-US" sz="3200" spc="-1" dirty="0">
                 <a:solidFill>
@@ -2999,7 +2997,7 @@
                 </a:solidFill>
                 <a:latin typeface="Arial"/>
               </a:rPr>
-              <a:t>Add new enemy type</a:t>
+              <a:t>new enemy type</a:t>
             </a:r>
           </a:p>
           <a:p>
